--- a/4 семестр/Анализ и концептуальное моделирование систем/Итоговый отчёт/Враженко_ДО_Презентация_Итоговый.pptx
+++ b/4 семестр/Анализ и концептуальное моделирование систем/Итоговый отчёт/Враженко_ДО_Презентация_Итоговый.pptx
@@ -3,57 +3,60 @@
 </file>
 
 <file path=META-INF/manifest.xml><?xml version="1.0" encoding="utf-8"?>
-<manifest:manifest xmlns:manifest="urn:oasis:names:tc:opendocument:xmlns:manifest:1.0" xmlns:loext="urn:org:documentfoundation:names:experimental:office:xmlns:loext:1.0" manifest:version="1.3">
-  <manifest:file-entry manifest:full-path="/" manifest:version="1.3" manifest:media-type="application/vnd.oasis.opendocument.presentation"/>
+<manifest:manifest xmlns:manifest="urn:oasis:names:tc:opendocument:xmlns:manifest:1.0" xmlns:loext="urn:org:documentfoundation:names:experimental:office:xmlns:loext:1.0" manifest:version="1.4">
+  <manifest:file-entry manifest:full-path="/" manifest:version="1.4" manifest:media-type="application/vnd.oasis.opendocument.presentation"/>
   <manifest:file-entry manifest:full-path="Configurations2/accelerator/current.xml" manifest:media-type=""/>
   <manifest:file-entry manifest:full-path="Configurations2/" manifest:media-type="application/vnd.sun.xml.ui.configuration"/>
-  <manifest:file-entry manifest:full-path="Pictures/10000001000002090000026877027139A28890F5.png" manifest:media-type="image/png"/>
-  <manifest:file-entry manifest:full-path="Pictures/1000000100000187000001D2080E62D2A4AFD0FD.png" manifest:media-type="image/png"/>
-  <manifest:file-entry manifest:full-path="Pictures/TablePreview1.svm" manifest:media-type=""/>
-  <manifest:file-entry manifest:full-path="Pictures/100000010000017D0000012D8713A90DFD0B58EE.png" manifest:media-type="image/png"/>
-  <manifest:file-entry manifest:full-path="Pictures/TablePreview2.svm" manifest:media-type=""/>
-  <manifest:file-entry manifest:full-path="Pictures/1000000100000118000001188C7FD621E4485AD1.png" manifest:media-type="image/png"/>
-  <manifest:file-entry manifest:full-path="Pictures/10000001000003040000019C5766077AA0235487.png" manifest:media-type="image/png"/>
-  <manifest:file-entry manifest:full-path="Pictures/100000010000024100000154C05F3E477FFCA117.png" manifest:media-type="image/png"/>
-  <manifest:file-entry manifest:full-path="Pictures/10000001000003650000016BBCE65D8A68A5E684.png" manifest:media-type="image/png"/>
-  <manifest:file-entry manifest:full-path="Pictures/10000001000002AA0000015638AB4DCDA8CF577B.png" manifest:media-type="image/png"/>
-  <manifest:file-entry manifest:full-path="Pictures/10000001000001F600000142BCC8DD0D344462A0.png" manifest:media-type="image/png"/>
-  <manifest:file-entry manifest:full-path="Pictures/100000010000026300000248531287332D2D3040.png" manifest:media-type="image/png"/>
-  <manifest:file-entry manifest:full-path="Pictures/1000000100000243000002D904D1F4EC70BA02A1.png" manifest:media-type="image/png"/>
-  <manifest:file-entry manifest:full-path="Pictures/100000000000047600000322202560AC5A10339A.png" manifest:media-type="image/png"/>
-  <manifest:file-entry manifest:full-path="Pictures/1000000100000209000001C3D611D6D45A14146F.png" manifest:media-type="image/png"/>
   <manifest:file-entry manifest:full-path="styles.xml" manifest:media-type="text/xml"/>
   <manifest:file-entry manifest:full-path="content.xml" manifest:media-type="text/xml"/>
+  <manifest:file-entry manifest:full-path="Thumbnails/thumbnail.png" manifest:media-type="image/png"/>
+  <manifest:file-entry manifest:full-path="Pictures/100000010000011800000118EC9B6E98.png" manifest:media-type="image/png"/>
+  <manifest:file-entry manifest:full-path="Pictures/TablePreview1.svm" manifest:media-type=""/>
+  <manifest:file-entry manifest:full-path="Pictures/100000000000028E000001FB046ECC4D.png" manifest:media-type="image/png"/>
+  <manifest:file-entry manifest:full-path="Pictures/TablePreview2.svm" manifest:media-type=""/>
+  <manifest:file-entry manifest:full-path="Pictures/100000000000026F00000204D8773099.png" manifest:media-type="image/png"/>
+  <manifest:file-entry manifest:full-path="Pictures/100000000000026F00000326E9DC19E3.png" manifest:media-type="image/png"/>
+  <manifest:file-entry manifest:full-path="Pictures/100000000000026F000002953CACBCC5.png" manifest:media-type="image/png"/>
+  <manifest:file-entry manifest:full-path="Pictures/10000000000002700000018C72C88F95.png" manifest:media-type="image/png"/>
+  <manifest:file-entry manifest:full-path="Pictures/100000010000017D0000012DFF01B33D.png" manifest:media-type="image/png"/>
+  <manifest:file-entry manifest:full-path="Pictures/10000001000002AA00000156DDFD0186.png" manifest:media-type="image/png"/>
+  <manifest:file-entry manifest:full-path="Pictures/1000000100000209000002685135F231.png" manifest:media-type="image/png"/>
+  <manifest:file-entry manifest:full-path="Pictures/1000000100000209000001C3A3DC4C21.png" manifest:media-type="image/png"/>
+  <manifest:file-entry manifest:full-path="Pictures/10000001000003040000019CFE53AD87.png" manifest:media-type="image/png"/>
+  <manifest:file-entry manifest:full-path="Pictures/10000000000002700000034DD53CEA5B.png" manifest:media-type="image/png"/>
+  <manifest:file-entry manifest:full-path="Pictures/10000001000003650000016BBA8C0DD4.png" manifest:media-type="image/png"/>
+  <manifest:file-entry manifest:full-path="Pictures/100000000000027000000285454C14CF.png" manifest:media-type="image/png"/>
+  <manifest:file-entry manifest:full-path="Pictures/10000000000002710000020128A9398E.png" manifest:media-type="image/png"/>
+  <manifest:file-entry manifest:full-path="Pictures/10000001000002410000015445E18A0A.png" manifest:media-type="image/png"/>
+  <manifest:file-entry manifest:full-path="Pictures/10000001000001F6000001422F990367.png" manifest:media-type="image/png"/>
+  <manifest:file-entry manifest:full-path="Pictures/1000000100000263000002483D3DB0EF.png" manifest:media-type="image/png"/>
+  <manifest:file-entry manifest:full-path="Pictures/100000000000024400000143C14432A6.png" manifest:media-type="image/png"/>
+  <manifest:file-entry manifest:full-path="Pictures/1000000100000243000002D9F1BEA288.png" manifest:media-type="image/png"/>
+  <manifest:file-entry manifest:full-path="Pictures/10000000000004760000032224A4DB49.png" manifest:media-type="image/png"/>
+  <manifest:file-entry manifest:full-path="Pictures/1000000100000187000001D2EED7EE95.png" manifest:media-type="image/png"/>
   <manifest:file-entry manifest:full-path="settings.xml" manifest:media-type="text/xml"/>
   <manifest:file-entry manifest:full-path="meta.xml" manifest:media-type="text/xml"/>
-  <manifest:file-entry manifest:full-path="Thumbnails/thumbnail.png" manifest:media-type="image/png"/>
 </manifest:manifest>
 </file>
 
 <file path=content.xml><?xml version="1.0" encoding="utf-8"?>
-<office:document-content xmlns:office="urn:oasis:names:tc:opendocument:xmlns:office:1.0" xmlns:ooo="http://openoffice.org/2004/office" xmlns:fo="urn:oasis:names:tc:opendocument:xmlns:xsl-fo-compatible:1.0" xmlns:xlink="http://www.w3.org/1999/xlink" xmlns:dc="http://purl.org/dc/elements/1.1/" xmlns:meta="urn:oasis:names:tc:opendocument:xmlns:meta:1.0" xmlns:style="urn:oasis:names:tc:opendocument:xmlns:style:1.0" xmlns:text="urn:oasis:names:tc:opendocument:xmlns:text:1.0" xmlns:rpt="http://openoffice.org/2005/report" xmlns:draw="urn:oasis:names:tc:opendocument:xmlns:drawing:1.0" xmlns:dr3d="urn:oasis:names:tc:opendocument:xmlns:dr3d:1.0" xmlns:svg="urn:oasis:names:tc:opendocument:xmlns:svg-compatible:1.0" xmlns:chart="urn:oasis:names:tc:opendocument:xmlns:chart:1.0" xmlns:table="urn:oasis:names:tc:opendocument:xmlns:table:1.0" xmlns:number="urn:oasis:names:tc:opendocument:xmlns:datastyle:1.0" xmlns:ooow="http://openoffice.org/2004/writer" xmlns:oooc="http://openoffice.org/2004/calc" xmlns:of="urn:oasis:names:tc:opendocument:xmlns:of:1.2" xmlns:xforms="http://www.w3.org/2002/xforms" xmlns:tableooo="http://openoffice.org/2009/table" xmlns:calcext="urn:org:documentfoundation:names:experimental:calc:xmlns:calcext:1.0" xmlns:drawooo="http://openoffice.org/2010/draw" xmlns:xhtml="http://www.w3.org/1999/xhtml" xmlns:loext="urn:org:documentfoundation:names:experimental:office:xmlns:loext:1.0" xmlns:field="urn:openoffice:names:experimental:ooo-ms-interop:xmlns:field:1.0" xmlns:math="http://www.w3.org/1998/Math/MathML" xmlns:form="urn:oasis:names:tc:opendocument:xmlns:form:1.0" xmlns:script="urn:oasis:names:tc:opendocument:xmlns:script:1.0" xmlns:formx="urn:openoffice:names:experimental:ooxml-odf-interop:xmlns:form:1.0" xmlns:dom="http://www.w3.org/2001/xml-events" xmlns:xsd="http://www.w3.org/2001/XMLSchema" xmlns:xsi="http://www.w3.org/2001/XMLSchema-instance" xmlns:grddl="http://www.w3.org/2003/g/data-view#" xmlns:css3t="http://www.w3.org/TR/css3-text/" xmlns:presentation="urn:oasis:names:tc:opendocument:xmlns:presentation:1.0" xmlns:smil="urn:oasis:names:tc:opendocument:xmlns:smil-compatible:1.0" xmlns:anim="urn:oasis:names:tc:opendocument:xmlns:animation:1.0" xmlns:officeooo="http://openoffice.org/2009/office" office:version="1.3">
+<office:document-content xmlns:office="urn:oasis:names:tc:opendocument:xmlns:office:1.0" xmlns:ooo="http://openoffice.org/2004/office" xmlns:fo="urn:oasis:names:tc:opendocument:xmlns:xsl-fo-compatible:1.0" xmlns:xlink="http://www.w3.org/1999/xlink" xmlns:dc="http://purl.org/dc/elements/1.1/" xmlns:meta="urn:oasis:names:tc:opendocument:xmlns:meta:1.0" xmlns:style="urn:oasis:names:tc:opendocument:xmlns:style:1.0" xmlns:text="urn:oasis:names:tc:opendocument:xmlns:text:1.0" xmlns:rpt="http://openoffice.org/2005/report" xmlns:draw="urn:oasis:names:tc:opendocument:xmlns:drawing:1.0" xmlns:dr3d="urn:oasis:names:tc:opendocument:xmlns:dr3d:1.0" xmlns:svg="urn:oasis:names:tc:opendocument:xmlns:svg-compatible:1.0" xmlns:chart="urn:oasis:names:tc:opendocument:xmlns:chart:1.0" xmlns:table="urn:oasis:names:tc:opendocument:xmlns:table:1.0" xmlns:number="urn:oasis:names:tc:opendocument:xmlns:datastyle:1.0" xmlns:ooow="http://openoffice.org/2004/writer" xmlns:oooc="http://openoffice.org/2004/calc" xmlns:of="urn:oasis:names:tc:opendocument:xmlns:of:1.2" xmlns:xforms="http://www.w3.org/2002/xforms" xmlns:tableooo="http://openoffice.org/2009/table" xmlns:calcext="urn:org:documentfoundation:names:experimental:calc:xmlns:calcext:1.0" xmlns:drawooo="http://openoffice.org/2010/draw" xmlns:xhtml="http://www.w3.org/1999/xhtml" xmlns:loext="urn:org:documentfoundation:names:experimental:office:xmlns:loext:1.0" xmlns:field="urn:openoffice:names:experimental:ooo-ms-interop:xmlns:field:1.0" xmlns:math="http://www.w3.org/1998/Math/MathML" xmlns:form="urn:oasis:names:tc:opendocument:xmlns:form:1.0" xmlns:script="urn:oasis:names:tc:opendocument:xmlns:script:1.0" xmlns:formx="urn:openoffice:names:experimental:ooxml-odf-interop:xmlns:form:1.0" xmlns:dom="http://www.w3.org/2001/xml-events" xmlns:xsd="http://www.w3.org/2001/XMLSchema" xmlns:xsi="http://www.w3.org/2001/XMLSchema-instance" xmlns:grddl="http://www.w3.org/2003/g/data-view#" xmlns:css3t="http://www.w3.org/TR/css3-text/" xmlns:presentation="urn:oasis:names:tc:opendocument:xmlns:presentation:1.0" xmlns:smil="urn:oasis:names:tc:opendocument:xmlns:smil-compatible:1.0" xmlns:anim="urn:oasis:names:tc:opendocument:xmlns:animation:1.0" xmlns:officeooo="http://openoffice.org/2009/office" office:version="1.4">
   <office:scripts/>
   <office:font-face-decls>
+    <style:font-face style:name="Arial" svg:font-family="Arial" style:font-family-generic="system" style:font-pitch="variable"/>
     <style:font-face style:name="Avenir Next LT Pro Light" svg:font-family="'Avenir Next LT Pro Light'"/>
     <style:font-face style:name="Calibri Light" svg:font-family="'Calibri Light'"/>
     <style:font-face style:name="Droid Sans Fallback" svg:font-family="'Droid Sans Fallback'"/>
     <style:font-face style:name="Liberation Sans" svg:font-family="'Liberation Sans'" style:font-family-generic="roman" style:font-pitch="variable"/>
-    <style:font-face style:name="Liberation Sans1" svg:font-family="'Liberation Sans'" style:font-family-generic="roman"/>
     <style:font-face style:name="Liberation Serif" svg:font-family="'Liberation Serif'"/>
     <style:font-face style:name="Lucida Sans" svg:font-family="'Lucida Sans'" style:font-family-generic="system" style:font-pitch="variable"/>
-    <style:font-face style:name="Lucida Sans1" svg:font-family="'Lucida Sans'" style:font-family-generic="system"/>
     <style:font-face style:name="Microsoft YaHei" svg:font-family="'Microsoft YaHei'" style:font-family-generic="system" style:font-pitch="variable"/>
-    <style:font-face style:name="Microsoft YaHei1" svg:font-family="'Microsoft YaHei'" style:font-family-generic="system"/>
     <style:font-face style:name="Noto Sans" svg:font-family="'Noto Sans'" style:font-family-generic="roman" style:font-pitch="variable"/>
-    <style:font-face style:name="Noto Sans1" svg:font-family="'Noto Sans'" style:font-family-generic="roman"/>
     <style:font-face style:name="Symbol" svg:font-family="Symbol" style:font-family-generic="roman" style:font-pitch="variable"/>
     <style:font-face style:name="Times New Roman" svg:font-family="'Times New Roman'" style:font-family-generic="roman" style:font-pitch="variable"/>
-    <style:font-face style:name="Times New Roman1" svg:font-family="'Times New Roman'" style:font-pitch="variable"/>
     <style:font-face style:name="XO Oriel" svg:font-family="'XO Oriel'" style:font-family-generic="roman" style:font-pitch="variable"/>
     <style:font-face style:name="XO Oriel1" svg:font-family="'XO Oriel'"/>
-    <style:font-face style:name="XO Oriel2" svg:font-family="'XO Oriel'" style:font-family-generic="roman"/>
-    <style:font-face style:name="XO Oriel3" svg:font-family="'XO Oriel'" style:font-pitch="variable"/>
-    <style:font-face style:name="XO Oriel4" svg:font-family="'XO Oriel'" style:font-family-generic="system"/>
+    <style:font-face style:name="XO Oriel2" svg:font-family="'XO Oriel'" style:font-pitch="variable"/>
   </office:font-face-decls>
   <office:automatic-styles>
     <style:style style:name="dp1" style:family="drawing-page">
@@ -65,10 +68,10 @@
     <style:style style:name="gr1" style:family="graphic" style:parent-style-name="standard">
       <style:graphic-properties loext:decorative="false"/>
     </style:style>
-    <style:style style:name="gr2" style:family="graphic" style:parent-style-name="Объект_20_без_20_заливки_20_и_20_линий">
+    <style:style style:name="gr2" style:family="graphic" style:parent-style-name="Object_20_with_20_no_20_fill_20_and_20_no_20_line">
       <style:graphic-properties draw:stroke="none" svg:stroke-width="0cm" draw:fill="none" loext:fill-use-slide-background="false" draw:textarea-horizontal-align="center" draw:textarea-vertical-align="top" draw:auto-grow-height="false" fo:padding-top="0.125cm" fo:padding-bottom="0.125cm" fo:padding-left="0.25cm" fo:padding-right="0.25cm" fo:wrap-option="wrap" draw:color-mode="standard" draw:luminance="0%" draw:contrast="0%" draw:gamma="100%" draw:red="0%" draw:green="0%" draw:blue="0%" fo:clip="rect(0cm, 0cm, 0cm, 0cm)" draw:image-opacity="100%" style:mirror="none" loext:decorative="false"/>
     </style:style>
-    <style:style style:name="gr3" style:family="graphic" style:parent-style-name="standard" style:list-style-name="L1">
+    <style:style style:name="gr3" style:family="graphic" style:parent-style-name="standard" style:list-style-name="L2">
       <style:graphic-properties draw:stroke="none" svg:stroke-width="0cm" draw:fill="none" loext:fill-use-slide-background="false" draw:textarea-horizontal-align="justify" draw:textarea-vertical-align="middle" draw:auto-grow-height="true" draw:fit-to-size="false" style:shrink-to-fit="false" fo:min-height="0cm" fo:min-width="0cm" fo:padding-top="0.127cm" fo:padding-bottom="0.127cm" fo:padding-left="0.254cm" fo:padding-right="0.254cm" fo:wrap-option="wrap" style:writing-mode="lr-tb" loext:decorative="false">
         <style:columns fo:column-count="1" fo:column-gap="0cm">
           <style:column style:rel-width="65535*" fo:start-indent="0cm" fo:end-indent="0cm"/>
@@ -76,18 +79,21 @@
       </style:graphic-properties>
       <style:paragraph-properties style:writing-mode="lr-tb"/>
     </style:style>
-    <style:style style:name="gr4" style:family="graphic" style:parent-style-name="standard" style:list-style-name="L1">
-      <style:graphic-properties draw:stroke="none" svg:stroke-width="0cm" draw:fill="none" loext:fill-use-slide-background="false" draw:textarea-horizontal-align="justify" draw:textarea-vertical-align="top" draw:auto-grow-height="true" draw:fit-to-size="false" style:shrink-to-fit="false" fo:min-height="0cm" fo:min-width="0cm" fo:padding-top="0.125cm" fo:padding-bottom="0.125cm" fo:padding-left="0.25cm" fo:padding-right="0.25cm" fo:wrap-option="wrap" loext:decorative="false"/>
+    <style:style style:name="gr4" style:family="graphic" style:parent-style-name="standard" style:list-style-name="L2">
+      <style:graphic-properties draw:stroke="none" svg:stroke-width="0cm" draw:fill="none" loext:fill-use-slide-background="false" draw:textarea-horizontal-align="justify" draw:textarea-vertical-align="top" draw:auto-grow-height="true" draw:fit-to-size="false" style:shrink-to-fit="false" fo:min-height="0cm" fo:min-width="0cm" fo:padding-top="0.125cm" fo:padding-bottom="0.125cm" fo:padding-left="0.25cm" fo:padding-right="0.25cm" fo:wrap-option="wrap" style:writing-mode="lr-tb" loext:decorative="false"/>
       <style:paragraph-properties style:writing-mode="lr-tb"/>
     </style:style>
     <style:style style:name="gr5" style:family="graphic">
       <style:graphic-properties style:protect="size" loext:decorative="false"/>
     </style:style>
-    <style:style style:name="gr6" style:family="graphic" style:parent-style-name="Объект_20_без_20_заливки_20_и_20_линий">
+    <style:style style:name="gr6" style:family="graphic" style:parent-style-name="Object_20_with_20_no_20_fill_20_and_20_no_20_line">
+      <style:graphic-properties draw:textarea-horizontal-align="center" draw:textarea-vertical-align="middle" draw:color-mode="standard" draw:luminance="0%" draw:contrast="0%" draw:gamma="100%" draw:red="0%" draw:green="0%" draw:blue="0%" fo:clip="rect(0cm, 0cm, 0cm, 0cm)" draw:image-opacity="100%" style:mirror="none" loext:decorative="false"/>
+    </style:style>
+    <style:style style:name="gr7" style:family="graphic" style:parent-style-name="Object_20_with_20_no_20_fill_20_and_20_no_20_line">
       <style:graphic-properties draw:stroke="none" draw:fill="none" draw:textarea-horizontal-align="center" draw:textarea-vertical-align="middle" draw:color-mode="standard" draw:luminance="0%" draw:contrast="0%" draw:gamma="100%" draw:red="0%" draw:green="0%" draw:blue="0%" fo:clip="rect(0cm, 0cm, 0cm, 0cm)" draw:image-opacity="100%" style:mirror="none" loext:decorative="false"/>
     </style:style>
     <style:style style:name="pr1" style:family="presentation" style:parent-style-name="TitleMaster-notes">
-      <style:graphic-properties draw:fill-color="#ffffff" fo:min-height="13.364cm" loext:decorative="false"/>
+      <style:graphic-properties draw:fill-color="#ffffff" draw:auto-grow-height="false" fo:min-height="13.364cm" loext:decorative="false"/>
       <style:paragraph-properties style:writing-mode="lr-tb"/>
     </style:style>
     <style:style style:name="pr2" style:family="presentation" style:parent-style-name="TitleMaster-title">
@@ -95,6 +101,10 @@
       <style:paragraph-properties style:writing-mode="lr-tb"/>
     </style:style>
     <style:style style:name="pr3" style:family="presentation" style:parent-style-name="TitleMaster-title">
+      <style:graphic-properties fo:min-height="6.945cm" loext:decorative="false"/>
+      <style:paragraph-properties style:writing-mode="lr-tb"/>
+    </style:style>
+    <style:style style:name="pr4" style:family="presentation" style:parent-style-name="TitleMaster-title">
       <style:graphic-properties fo:min-height="2.2cm" loext:decorative="false"/>
       <style:paragraph-properties style:writing-mode="lr-tb"/>
     </style:style>
@@ -198,26 +208,12 @@
       <style:text-properties fo:font-size="18pt" fo:hyphenate="false"/>
     </style:style>
     <style:style style:name="P11" style:family="paragraph">
-      <style:paragraph-properties fo:margin-left="0cm" fo:margin-right="0cm" fo:margin-top="0cm" fo:margin-bottom="0cm" fo:line-height="100%" fo:text-align="center" fo:text-indent="0cm" style:punctuation-wrap="simple" loext:tab-stop-distance="2.54cm" style:writing-mode="lr-tb">
-        <style:tab-stops>
-          <style:tab-stop style:position="0cm"/>
-        </style:tab-stops>
-      </style:paragraph-properties>
-      <style:text-properties fo:hyphenate="false"/>
+      <loext:graphic-properties draw:fill-color="#ffffff"/>
     </style:style>
     <style:style style:name="P12" style:family="paragraph">
-      <loext:graphic-properties draw:fill="none"/>
-      <style:paragraph-properties fo:margin-left="0cm" fo:margin-right="0cm" fo:margin-top="0cm" fo:margin-bottom="0cm" fo:line-height="100%" fo:text-align="center" fo:text-indent="0cm" style:punctuation-wrap="simple" loext:tab-stop-distance="2.54cm" style:font-independent-line-spacing="true">
-        <style:tab-stops>
-          <style:tab-stop style:position="0cm"/>
-        </style:tab-stops>
-      </style:paragraph-properties>
-      <style:text-properties fo:font-size="18pt" fo:hyphenate="false"/>
+      <style:paragraph-properties fo:text-align="center"/>
     </style:style>
     <style:style style:name="P13" style:family="paragraph">
-      <loext:graphic-properties draw:fill-color="#ffffff"/>
-    </style:style>
-    <style:style style:name="P14" style:family="paragraph">
       <loext:graphic-properties draw:fill="none"/>
       <style:paragraph-properties fo:text-align="center"/>
     </style:style>
@@ -262,6 +258,48 @@
       </style:text-properties>
     </style:style>
     <text:list-style style:name="L1">
+      <text:list-level-style-bullet text:level="1" text:bullet-char="">
+        <style:list-level-properties text:min-label-width="0.6cm"/>
+        <style:text-properties fo:font-family="Symbol" style:use-window-font-color="true" fo:font-size="45%"/>
+      </text:list-level-style-bullet>
+      <text:list-level-style-bullet text:level="2" text:bullet-char="">
+        <style:list-level-properties text:space-before="0.6cm" text:min-label-width="0.6cm"/>
+        <style:text-properties fo:font-family="Symbol" style:use-window-font-color="true" fo:font-size="45%"/>
+      </text:list-level-style-bullet>
+      <text:list-level-style-bullet text:level="3" text:bullet-char="">
+        <style:list-level-properties text:space-before="1.2cm" text:min-label-width="0.6cm"/>
+        <style:text-properties fo:font-family="Symbol" style:use-window-font-color="true" fo:font-size="45%"/>
+      </text:list-level-style-bullet>
+      <text:list-level-style-bullet text:level="4" text:bullet-char="">
+        <style:list-level-properties text:space-before="1.8cm" text:min-label-width="0.6cm"/>
+        <style:text-properties fo:font-family="Symbol" style:use-window-font-color="true" fo:font-size="45%"/>
+      </text:list-level-style-bullet>
+      <text:list-level-style-bullet text:level="5" text:bullet-char="">
+        <style:list-level-properties text:space-before="2.4cm" text:min-label-width="0.6cm"/>
+        <style:text-properties fo:font-family="Symbol" style:use-window-font-color="true" fo:font-size="45%"/>
+      </text:list-level-style-bullet>
+      <text:list-level-style-bullet text:level="6" text:bullet-char="">
+        <style:list-level-properties text:space-before="3cm" text:min-label-width="0.6cm"/>
+        <style:text-properties fo:font-family="Symbol" style:use-window-font-color="true" fo:font-size="45%"/>
+      </text:list-level-style-bullet>
+      <text:list-level-style-bullet text:level="7" text:bullet-char="">
+        <style:list-level-properties text:space-before="3.6cm" text:min-label-width="0.6cm"/>
+        <style:text-properties fo:font-family="Symbol" style:use-window-font-color="true" fo:font-size="45%"/>
+      </text:list-level-style-bullet>
+      <text:list-level-style-bullet text:level="8" text:bullet-char="">
+        <style:list-level-properties text:space-before="4.2cm" text:min-label-width="0.6cm"/>
+        <style:text-properties fo:font-family="Symbol" style:use-window-font-color="true" fo:font-size="45%"/>
+      </text:list-level-style-bullet>
+      <text:list-level-style-bullet text:level="9" text:bullet-char="">
+        <style:list-level-properties text:space-before="4.8cm" text:min-label-width="0.6cm"/>
+        <style:text-properties fo:font-family="Symbol" style:use-window-font-color="true" fo:font-size="45%"/>
+      </text:list-level-style-bullet>
+      <text:list-level-style-bullet text:level="10" text:bullet-char="">
+        <style:list-level-properties text:space-before="5.4cm" text:min-label-width="0.6cm"/>
+        <style:text-properties fo:font-family="Symbol" style:use-window-font-color="true" fo:font-size="45%"/>
+      </text:list-level-style-bullet>
+    </text:list-style>
+    <text:list-style style:name="L2">
       <text:list-level-style-number text:level="1" style:num-format="">
         <style:list-level-properties text:min-label-width="0.6cm"/>
         <style:text-properties fo:color="#000000" fo:font-size="100%"/>
@@ -301,48 +339,6 @@
       <text:list-level-style-bullet text:level="10" text:bullet-char="●">
         <style:list-level-properties text:space-before="5.4cm" text:min-label-width="0.6cm"/>
         <style:text-properties fo:font-family="OpenSymbol" style:use-window-font-color="true" fo:font-size="45%"/>
-      </text:list-level-style-bullet>
-    </text:list-style>
-    <text:list-style style:name="L2">
-      <text:list-level-style-bullet text:level="1" text:bullet-char="">
-        <style:list-level-properties text:min-label-width="0.6cm"/>
-        <style:text-properties fo:font-family="Symbol" style:use-window-font-color="true" fo:font-size="45%"/>
-      </text:list-level-style-bullet>
-      <text:list-level-style-bullet text:level="2" text:bullet-char="">
-        <style:list-level-properties text:space-before="0.6cm" text:min-label-width="0.6cm"/>
-        <style:text-properties fo:font-family="Symbol" style:use-window-font-color="true" fo:font-size="45%"/>
-      </text:list-level-style-bullet>
-      <text:list-level-style-bullet text:level="3" text:bullet-char="">
-        <style:list-level-properties text:space-before="1.2cm" text:min-label-width="0.6cm"/>
-        <style:text-properties fo:font-family="Symbol" style:use-window-font-color="true" fo:font-size="45%"/>
-      </text:list-level-style-bullet>
-      <text:list-level-style-bullet text:level="4" text:bullet-char="">
-        <style:list-level-properties text:space-before="1.8cm" text:min-label-width="0.6cm"/>
-        <style:text-properties fo:font-family="Symbol" style:use-window-font-color="true" fo:font-size="45%"/>
-      </text:list-level-style-bullet>
-      <text:list-level-style-bullet text:level="5" text:bullet-char="">
-        <style:list-level-properties text:space-before="2.4cm" text:min-label-width="0.6cm"/>
-        <style:text-properties fo:font-family="Symbol" style:use-window-font-color="true" fo:font-size="45%"/>
-      </text:list-level-style-bullet>
-      <text:list-level-style-bullet text:level="6" text:bullet-char="">
-        <style:list-level-properties text:space-before="3cm" text:min-label-width="0.6cm"/>
-        <style:text-properties fo:font-family="Symbol" style:use-window-font-color="true" fo:font-size="45%"/>
-      </text:list-level-style-bullet>
-      <text:list-level-style-bullet text:level="7" text:bullet-char="">
-        <style:list-level-properties text:space-before="3.6cm" text:min-label-width="0.6cm"/>
-        <style:text-properties fo:font-family="Symbol" style:use-window-font-color="true" fo:font-size="45%"/>
-      </text:list-level-style-bullet>
-      <text:list-level-style-bullet text:level="8" text:bullet-char="">
-        <style:list-level-properties text:space-before="4.2cm" text:min-label-width="0.6cm"/>
-        <style:text-properties fo:font-family="Symbol" style:use-window-font-color="true" fo:font-size="45%"/>
-      </text:list-level-style-bullet>
-      <text:list-level-style-bullet text:level="9" text:bullet-char="">
-        <style:list-level-properties text:space-before="4.8cm" text:min-label-width="0.6cm"/>
-        <style:text-properties fo:font-family="Symbol" style:use-window-font-color="true" fo:font-size="45%"/>
-      </text:list-level-style-bullet>
-      <text:list-level-style-bullet text:level="10" text:bullet-char="">
-        <style:list-level-properties text:space-before="5.4cm" text:min-label-width="0.6cm"/>
-        <style:text-properties fo:font-family="Symbol" style:use-window-font-color="true" fo:font-size="45%"/>
       </text:list-level-style-bullet>
     </text:list-style>
     <text:list-style style:name="L3">
@@ -466,7 +462,7 @@
           <draw:image xlink:href="Pictures/TablePreview2.svm" xlink:type="simple" xlink:show="embed" xlink:actuate="onLoad"/>
         </draw:frame>
         <draw:frame draw:name="Рисунок 3" draw:style-name="gr2" draw:text-style-name="P7" draw:layer="layout" svg:width="2.221cm" svg:height="2.334cm" svg:x="11.585cm" svg:y="0cm">
-          <draw:image xlink:href="Pictures/1000000100000118000001188C7FD621E4485AD1.png" xlink:type="simple" xlink:show="embed" xlink:actuate="onLoad" draw:mime-type="image/png">
+          <draw:image xlink:href="Pictures/100000010000011800000118EC9B6E98.png" xlink:type="simple" xlink:show="embed" xlink:actuate="onLoad" draw:mime-type="image/png">
             <text:p/>
           </draw:image>
         </draw:frame>
@@ -483,18 +479,18 @@
           <text:p text:style-name="P8">
             <text:span text:style-name="T7">по дисциплине «Анализ и концептуальное моделирование систем»</text:span>
           </text:p>
-          <draw:enhanced-geometry draw:mirror-horizontal="false" draw:mirror-vertical="false" draw:text-areas="0 0 ?f3 ?f2" svg:viewBox="0 0 0 0" draw:type="ooxml-rect" draw:enhanced-path="M 0 0 L ?f3 0 ?f3 ?f2 0 ?f2 Z N">
+          <draw:enhanced-geometry draw:mirror-horizontal="false" draw:mirror-vertical="false" svg:viewBox="0 0 0 0" draw:text-areas="0 0 ?f3 ?f2" draw:type="ooxml-rect" draw:enhanced-path="M 0 0 L ?f3 0 ?f3 ?f2 0 ?f2 Z N">
             <draw:equation draw:name="f0" draw:formula="logwidth/2"/>
             <draw:equation draw:name="f1" draw:formula="logheight/2"/>
             <draw:equation draw:name="f2" draw:formula="logheight"/>
             <draw:equation draw:name="f3" draw:formula="logwidth"/>
           </draw:enhanced-geometry>
         </draw:custom-shape>
-        <draw:custom-shape draw:name="TextBox 13" draw:style-name="gr4" draw:text-style-name="P12" draw:layer="layout" svg:width="25.408cm" svg:height="1.013cm" svg:x="-0.008cm" svg:y="13.159cm">
-          <text:p text:style-name="P11">
+        <draw:custom-shape draw:name="TextBox 13" draw:style-name="gr4" draw:text-style-name="P10" draw:layer="layout" svg:width="25.408cm" svg:height="1.013cm" svg:x="-0.008cm" svg:y="13.159cm">
+          <text:p text:style-name="P8">
             <text:span text:style-name="T8">Москва 2025 г.</text:span>
           </text:p>
-          <draw:enhanced-geometry draw:mirror-horizontal="false" draw:mirror-vertical="false" draw:text-areas="0 0 ?f3 ?f2" svg:viewBox="0 0 0 0" draw:type="ooxml-rect" draw:enhanced-path="M 0 0 L ?f3 0 ?f3 ?f2 0 ?f2 Z N">
+          <draw:enhanced-geometry draw:mirror-horizontal="false" draw:mirror-vertical="false" svg:viewBox="0 0 0 0" draw:text-areas="0 0 ?f3 ?f2" draw:type="ooxml-rect" draw:enhanced-path="M 0 0 L ?f3 0 ?f3 ?f2 0 ?f2 Z N">
             <draw:equation draw:name="f0" draw:formula="logwidth/2"/>
             <draw:equation draw:name="f1" draw:formula="logheight/2"/>
             <draw:equation draw:name="f2" draw:formula="logheight"/>
@@ -503,7 +499,7 @@
         </draw:custom-shape>
         <presentation:notes draw:style-name="dp2">
           <draw:page-thumbnail draw:style-name="gr5" draw:layer="layout" svg:width="0.001cm" svg:height="0.002cm" svg:x="0.004cm" svg:y="0cm" draw:page-number="1" presentation:class="page"/>
-          <draw:frame presentation:style-name="pr1" draw:text-style-name="P13" draw:layer="layout" svg:width="16.799cm" svg:height="13.364cm" svg:x="2.1cm" svg:y="14.107cm" presentation:class="notes" presentation:placeholder="true">
+          <draw:frame presentation:style-name="pr1" draw:text-style-name="P11" draw:layer="layout" svg:width="16.799cm" svg:height="13.364cm" svg:x="2.1cm" svg:y="14.107cm" presentation:class="notes" presentation:placeholder="true">
             <draw:text-box/>
           </draw:frame>
         </presentation:notes>
@@ -512,17 +508,18 @@
         <office:forms form:automatic-focus="false" form:apply-design-mode="false"/>
         <draw:frame presentation:style-name="pr2" draw:layer="layout" svg:width="19.05cm" svg:height="3.473cm" svg:x="3.175cm" svg:y="0.164cm" presentation:class="title" presentation:user-transformed="true">
           <draw:text-box>
-            <text:p>Пример диаграммы вариантов использования</text:p>
-          </draw:text-box>
-        </draw:frame>
-        <draw:frame draw:style-name="gr6" draw:text-style-name="P14" draw:layer="layout" svg:width="10.08cm" svg:height="7.963cm" svg:x="7.694cm" svg:y="4.17cm">
-          <draw:image xlink:href="Pictures/100000010000017D0000012D8713A90DFD0B58EE.png" xlink:type="simple" xlink:show="embed" xlink:actuate="onLoad" draw:mime-type="image/png">
+            <text:p>Функции и недостатки систем</text:p>
+          </draw:text-box>
+        </draw:frame>
+        <draw:frame draw:style-name="gr6" draw:text-style-name="P12" draw:layer="layout" svg:width="12.623cm" svg:height="10.455cm" svg:x="6.389cm" svg:y="3.497cm">
+          <draw:image xlink:href="Pictures/100000000000026F00000204D8773099.png" xlink:type="simple" xlink:show="embed" xlink:actuate="onLoad" draw:mime-type="image/png">
             <text:p/>
           </draw:image>
         </draw:frame>
-        <presentation:notes draw:style-name="dp2">
+        <presentation:notes draw:style-name="dp1">
+          <office:forms form:automatic-focus="false" form:apply-design-mode="false"/>
           <draw:page-thumbnail draw:style-name="gr5" draw:layer="layout" svg:width="0.001cm" svg:height="0.002cm" svg:x="0.004cm" svg:y="0cm" draw:page-number="2" presentation:class="page"/>
-          <draw:frame presentation:style-name="pr1" draw:text-style-name="P13" draw:layer="layout" svg:width="16.799cm" svg:height="13.364cm" svg:x="2.1cm" svg:y="14.107cm" presentation:class="notes" presentation:placeholder="true">
+          <draw:frame presentation:style-name="pr1" draw:text-style-name="P11" draw:layer="layout" svg:width="16.799cm" svg:height="13.364cm" svg:x="2.1cm" svg:y="14.107cm" presentation:class="notes" presentation:placeholder="true">
             <draw:text-box/>
           </draw:frame>
         </presentation:notes>
@@ -531,17 +528,18 @@
         <office:forms form:automatic-focus="false" form:apply-design-mode="false"/>
         <draw:frame presentation:style-name="pr2" draw:layer="layout" svg:width="19.05cm" svg:height="3.473cm" svg:x="3.175cm" svg:y="0.164cm" presentation:class="title" presentation:user-transformed="true">
           <draw:text-box>
-            <text:p>Диаграмма вариантов использования</text:p>
-          </draw:text-box>
-        </draw:frame>
-        <draw:frame draw:style-name="gr6" draw:text-style-name="P14" draw:layer="layout" svg:width="8.975cm" svg:height="10.612cm" svg:x="8.213cm" svg:y="3.683cm">
-          <draw:image xlink:href="Pictures/10000001000002090000026877027139A28890F5.png" xlink:type="simple" xlink:show="embed" xlink:actuate="onLoad" draw:mime-type="image/png">
+            <text:p>Основные функции системы</text:p>
+          </draw:text-box>
+        </draw:frame>
+        <draw:frame draw:style-name="gr6" draw:text-style-name="P12" draw:layer="layout" svg:width="8.303cm" svg:height="10.742cm" svg:x="8.549cm" svg:y="3.527cm">
+          <draw:image xlink:href="Pictures/100000000000026F00000326E9DC19E3.png" xlink:type="simple" xlink:show="embed" xlink:actuate="onLoad" draw:mime-type="image/png">
             <text:p/>
           </draw:image>
         </draw:frame>
-        <presentation:notes draw:style-name="dp2">
+        <presentation:notes draw:style-name="dp1">
+          <office:forms form:automatic-focus="false" form:apply-design-mode="false"/>
           <draw:page-thumbnail draw:style-name="gr5" draw:layer="layout" svg:width="0.001cm" svg:height="0.002cm" svg:x="0.004cm" svg:y="0cm" draw:page-number="3" presentation:class="page"/>
-          <draw:frame presentation:style-name="pr1" draw:text-style-name="P13" draw:layer="layout" svg:width="16.799cm" svg:height="13.364cm" svg:x="2.1cm" svg:y="14.107cm" presentation:class="notes" presentation:placeholder="true">
+          <draw:frame presentation:style-name="pr1" draw:text-style-name="P11" draw:layer="layout" svg:width="16.799cm" svg:height="13.364cm" svg:x="2.1cm" svg:y="14.107cm" presentation:class="notes" presentation:placeholder="true">
             <draw:text-box/>
           </draw:frame>
         </presentation:notes>
@@ -550,36 +548,37 @@
         <office:forms form:automatic-focus="false" form:apply-design-mode="false"/>
         <draw:frame presentation:style-name="pr2" draw:layer="layout" svg:width="19.05cm" svg:height="3.473cm" svg:x="3.175cm" svg:y="0.164cm" presentation:class="title" presentation:user-transformed="true">
           <draw:text-box>
-            <text:p>Диаграмма классов анализа</text:p>
-          </draw:text-box>
-        </draw:frame>
-        <draw:frame draw:style-name="gr6" draw:text-style-name="P14" draw:layer="layout" svg:width="20.425cm" svg:height="10.9cm" svg:x="2.521cm" svg:y="3.402cm">
-          <draw:image xlink:href="Pictures/10000001000003040000019C5766077AA0235487.png" xlink:type="simple" xlink:show="embed" xlink:actuate="onLoad" draw:mime-type="image/png">
+            <text:p>Пример диаграммы вариантов использования</text:p>
+          </draw:text-box>
+        </draw:frame>
+        <draw:frame draw:style-name="gr7" draw:text-style-name="P13" draw:layer="layout" svg:width="10.08cm" svg:height="7.963cm" svg:x="7.694cm" svg:y="4.17cm">
+          <draw:image xlink:href="Pictures/100000010000017D0000012DFF01B33D.png" xlink:type="simple" xlink:show="embed" xlink:actuate="onLoad" draw:mime-type="image/png">
             <text:p/>
           </draw:image>
         </draw:frame>
         <presentation:notes draw:style-name="dp2">
           <draw:page-thumbnail draw:style-name="gr5" draw:layer="layout" svg:width="0.001cm" svg:height="0.002cm" svg:x="0.004cm" svg:y="0cm" draw:page-number="4" presentation:class="page"/>
-          <draw:frame presentation:style-name="pr1" draw:text-style-name="P13" draw:layer="layout" svg:width="16.799cm" svg:height="13.364cm" svg:x="2.1cm" svg:y="14.107cm" presentation:class="notes" presentation:placeholder="true">
+          <draw:frame presentation:style-name="pr1" draw:text-style-name="P11" draw:layer="layout" svg:width="16.799cm" svg:height="13.364cm" svg:x="2.1cm" svg:y="14.107cm" presentation:class="notes" presentation:placeholder="true">
             <draw:text-box/>
           </draw:frame>
         </presentation:notes>
       </draw:page>
       <draw:page draw:name="page5" draw:style-name="dp1" draw:master-page-name="TitleMaster" presentation:presentation-page-layout-name="AL2T1">
         <office:forms form:automatic-focus="false" form:apply-design-mode="false"/>
-        <draw:frame presentation:style-name="pr2" draw:layer="layout" svg:width="19.05cm" svg:height="3.473cm" svg:x="3.175cm" svg:y="0.164cm" presentation:class="title" presentation:user-transformed="true">
-          <draw:text-box>
-            <text:p>Пример диаграммы последовательности</text:p>
-          </draw:text-box>
-        </draw:frame>
-        <draw:frame draw:style-name="gr6" draw:text-style-name="P14" draw:layer="layout" svg:width="22.991cm" svg:height="9.603cm" svg:x="1.238cm" svg:y="4.433cm">
-          <draw:image xlink:href="Pictures/10000001000003650000016BBCE65D8A68A5E684.png" xlink:type="simple" xlink:show="embed" xlink:actuate="onLoad" draw:mime-type="image/png">
+        <draw:frame presentation:style-name="pr2" draw:layer="layout" svg:width="19.05cm" svg:height="5.209cm" svg:x="3.175cm" svg:y="-0.204cm" presentation:class="title" presentation:user-transformed="true">
+          <draw:text-box>
+            <text:p>Таблицы для примера диаграммы вариантов использования</text:p>
+          </draw:text-box>
+        </draw:frame>
+        <draw:frame draw:style-name="gr6" draw:text-style-name="P12" draw:layer="layout" svg:width="14.919cm" svg:height="9.468cm" svg:x="5.241cm" svg:y="4.72cm">
+          <draw:image xlink:href="Pictures/10000000000002700000018C72C88F95.png" xlink:type="simple" xlink:show="embed" xlink:actuate="onLoad" draw:mime-type="image/png">
             <text:p/>
           </draw:image>
         </draw:frame>
-        <presentation:notes draw:style-name="dp2">
+        <presentation:notes draw:style-name="dp1">
+          <office:forms form:automatic-focus="false" form:apply-design-mode="false"/>
           <draw:page-thumbnail draw:style-name="gr5" draw:layer="layout" svg:width="0.001cm" svg:height="0.002cm" svg:x="0.004cm" svg:y="0cm" draw:page-number="5" presentation:class="page"/>
-          <draw:frame presentation:style-name="pr1" draw:text-style-name="P13" draw:layer="layout" svg:width="16.799cm" svg:height="13.364cm" svg:x="2.1cm" svg:y="14.107cm" presentation:class="notes" presentation:placeholder="true">
+          <draw:frame presentation:style-name="pr1" draw:text-style-name="P11" draw:layer="layout" svg:width="16.799cm" svg:height="13.364cm" svg:x="2.1cm" svg:y="14.107cm" presentation:class="notes" presentation:placeholder="true">
             <draw:text-box/>
           </draw:frame>
         </presentation:notes>
@@ -588,17 +587,17 @@
         <office:forms form:automatic-focus="false" form:apply-design-mode="false"/>
         <draw:frame presentation:style-name="pr2" draw:layer="layout" svg:width="19.05cm" svg:height="3.473cm" svg:x="3.175cm" svg:y="0.164cm" presentation:class="title" presentation:user-transformed="true">
           <draw:text-box>
-            <text:p>Пример диаграммы кооперации</text:p>
-          </draw:text-box>
-        </draw:frame>
-        <draw:frame draw:style-name="gr6" draw:text-style-name="P14" draw:layer="layout" svg:width="15.265cm" svg:height="8.995cm" svg:x="5.101cm" svg:y="3.937cm">
-          <draw:image xlink:href="Pictures/100000010000024100000154C05F3E477FFCA117.png" xlink:type="simple" xlink:show="embed" xlink:actuate="onLoad" draw:mime-type="image/png">
+            <text:p>Диаграмма вариантов использования</text:p>
+          </draw:text-box>
+        </draw:frame>
+        <draw:frame draw:style-name="gr7" draw:text-style-name="P13" draw:layer="layout" svg:width="8.975cm" svg:height="10.612cm" svg:x="8.213cm" svg:y="3.683cm">
+          <draw:image xlink:href="Pictures/1000000100000209000002685135F231.png" xlink:type="simple" xlink:show="embed" xlink:actuate="onLoad" draw:mime-type="image/png">
             <text:p/>
           </draw:image>
         </draw:frame>
         <presentation:notes draw:style-name="dp2">
           <draw:page-thumbnail draw:style-name="gr5" draw:layer="layout" svg:width="0.001cm" svg:height="0.002cm" svg:x="0.004cm" svg:y="0cm" draw:page-number="6" presentation:class="page"/>
-          <draw:frame presentation:style-name="pr1" draw:text-style-name="P13" draw:layer="layout" svg:width="16.799cm" svg:height="13.364cm" svg:x="2.1cm" svg:y="14.107cm" presentation:class="notes" presentation:placeholder="true">
+          <draw:frame presentation:style-name="pr1" draw:text-style-name="P11" draw:layer="layout" svg:width="16.799cm" svg:height="13.364cm" svg:x="2.1cm" svg:y="14.107cm" presentation:class="notes" presentation:placeholder="true">
             <draw:text-box/>
           </draw:frame>
         </presentation:notes>
@@ -607,130 +606,297 @@
         <office:forms form:automatic-focus="false" form:apply-design-mode="false"/>
         <draw:frame presentation:style-name="pr2" draw:layer="layout" svg:width="19.05cm" svg:height="3.473cm" svg:x="3.175cm" svg:y="0.164cm" presentation:class="title" presentation:user-transformed="true">
           <draw:text-box>
-            <text:p>Диаграмма последовательности</text:p>
-          </draw:text-box>
-        </draw:frame>
-        <draw:frame draw:style-name="gr6" draw:text-style-name="P14" draw:layer="layout" svg:width="18.044cm" svg:height="9.048cm" svg:x="3.712cm" svg:y="4.911cm">
-          <draw:image xlink:href="Pictures/10000001000002AA0000015638AB4DCDA8CF577B.png" xlink:type="simple" xlink:show="embed" xlink:actuate="onLoad" draw:mime-type="image/png">
+            <text:p>
+              Таблица 
+              <text:s/>
+              ля диаграммы вариантов использования
+            </text:p>
+          </draw:text-box>
+        </draw:frame>
+        <draw:frame draw:style-name="gr6" draw:text-style-name="P12" draw:layer="layout" svg:width="7.8cm" svg:height="10.562cm" svg:x="3.4cm" svg:y="3.726cm">
+          <draw:image xlink:href="Pictures/10000000000002700000034DD53CEA5B.png" xlink:type="simple" xlink:show="embed" xlink:actuate="onLoad" draw:mime-type="image/png">
             <text:p/>
           </draw:image>
         </draw:frame>
-        <presentation:notes draw:style-name="dp2">
+        <draw:frame draw:style-name="gr6" draw:text-style-name="P12" draw:layer="layout" svg:width="10.175cm" svg:height="10.518cm" svg:x="11.825cm" svg:y="3.77cm">
+          <draw:image xlink:href="Pictures/100000000000027000000285454C14CF.png" xlink:type="simple" xlink:show="embed" xlink:actuate="onLoad" draw:mime-type="image/png">
+            <text:p/>
+          </draw:image>
+        </draw:frame>
+        <presentation:notes draw:style-name="dp1">
+          <office:forms form:automatic-focus="false" form:apply-design-mode="false"/>
           <draw:page-thumbnail draw:style-name="gr5" draw:layer="layout" svg:width="0.001cm" svg:height="0.002cm" svg:x="0.004cm" svg:y="0cm" draw:page-number="7" presentation:class="page"/>
-          <draw:frame presentation:style-name="pr1" draw:text-style-name="P13" draw:layer="layout" svg:width="16.799cm" svg:height="13.364cm" svg:x="2.1cm" svg:y="14.107cm" presentation:class="notes" presentation:placeholder="true">
+          <draw:frame presentation:style-name="pr1" draw:text-style-name="P11" draw:layer="layout" svg:width="16.799cm" svg:height="13.364cm" svg:x="2.1cm" svg:y="14.107cm" presentation:class="notes" presentation:placeholder="true">
             <draw:text-box/>
           </draw:frame>
         </presentation:notes>
       </draw:page>
       <draw:page draw:name="page8" draw:style-name="dp1" draw:master-page-name="TitleMaster" presentation:presentation-page-layout-name="AL2T1">
         <office:forms form:automatic-focus="false" form:apply-design-mode="false"/>
-        <draw:frame presentation:style-name="pr3" draw:layer="layout" svg:width="19.05cm" svg:height="2.2cm" svg:x="3.175cm" svg:y="0.8cm" presentation:class="title" presentation:user-transformed="true">
-          <draw:text-box>
-            <text:p>Диаграмма кооперации</text:p>
-          </draw:text-box>
-        </draw:frame>
-        <draw:frame draw:style-name="gr6" draw:text-style-name="P14" draw:layer="layout" svg:width="13.281cm" svg:height="8.519cm" svg:x="6.093cm" svg:y="4.875cm">
-          <draw:image xlink:href="Pictures/10000001000001F600000142BCC8DD0D344462A0.png" xlink:type="simple" xlink:show="embed" xlink:actuate="onLoad" draw:mime-type="image/png">
+        <draw:frame presentation:style-name="pr2" draw:layer="layout" svg:width="19.05cm" svg:height="3.473cm" svg:x="3.175cm" svg:y="0.164cm" presentation:class="title" presentation:user-transformed="true">
+          <draw:text-box>
+            <text:p>Диаграмма классов анализа</text:p>
+          </draw:text-box>
+        </draw:frame>
+        <draw:frame draw:style-name="gr7" draw:text-style-name="P13" draw:layer="layout" svg:width="20.425cm" svg:height="10.9cm" svg:x="2.521cm" svg:y="3.402cm">
+          <draw:image xlink:href="Pictures/10000001000003040000019CFE53AD87.png" xlink:type="simple" xlink:show="embed" xlink:actuate="onLoad" draw:mime-type="image/png">
             <text:p/>
           </draw:image>
         </draw:frame>
         <presentation:notes draw:style-name="dp2">
           <draw:page-thumbnail draw:style-name="gr5" draw:layer="layout" svg:width="0.001cm" svg:height="0.002cm" svg:x="0.004cm" svg:y="0cm" draw:page-number="8" presentation:class="page"/>
-          <draw:frame presentation:style-name="pr1" draw:text-style-name="P13" draw:layer="layout" svg:width="16.799cm" svg:height="13.364cm" svg:x="2.1cm" svg:y="14.107cm" presentation:class="notes" presentation:placeholder="true">
+          <draw:frame presentation:style-name="pr1" draw:text-style-name="P11" draw:layer="layout" svg:width="16.799cm" svg:height="13.364cm" svg:x="2.1cm" svg:y="14.107cm" presentation:class="notes" presentation:placeholder="true">
             <draw:text-box/>
           </draw:frame>
         </presentation:notes>
       </draw:page>
       <draw:page draw:name="page9" draw:style-name="dp1" draw:master-page-name="TitleMaster" presentation:presentation-page-layout-name="AL2T1">
         <office:forms form:automatic-focus="false" form:apply-design-mode="false"/>
-        <draw:frame presentation:style-name="pr3" draw:layer="layout" svg:width="19.05cm" svg:height="2.2cm" svg:x="3.175cm" svg:y="0.8cm" presentation:class="title" presentation:user-transformed="true">
-          <draw:text-box>
-            <text:p>Диаграмма классов</text:p>
-          </draw:text-box>
-        </draw:frame>
-        <draw:frame draw:style-name="gr6" draw:text-style-name="P14" draw:layer="layout" svg:width="12.007cm" svg:height="11.477cm" svg:x="6.697cm" svg:y="2.801cm">
-          <draw:image xlink:href="Pictures/100000010000026300000248531287332D2D3040.png" xlink:type="simple" xlink:show="embed" xlink:actuate="onLoad" draw:mime-type="image/png">
+        <draw:frame presentation:style-name="pr2" draw:layer="layout" svg:width="19.05cm" svg:height="3.473cm" svg:x="3.175cm" svg:y="0.164cm" presentation:class="title" presentation:user-transformed="true">
+          <draw:text-box>
+            <text:p>Пример диаграммы последовательности</text:p>
+          </draw:text-box>
+        </draw:frame>
+        <draw:frame draw:style-name="gr7" draw:text-style-name="P13" draw:layer="layout" svg:width="22.991cm" svg:height="9.603cm" svg:x="1.238cm" svg:y="4.433cm">
+          <draw:image xlink:href="Pictures/10000001000003650000016BBA8C0DD4.png" xlink:type="simple" xlink:show="embed" xlink:actuate="onLoad" draw:mime-type="image/png">
             <text:p/>
           </draw:image>
         </draw:frame>
         <presentation:notes draw:style-name="dp2">
           <draw:page-thumbnail draw:style-name="gr5" draw:layer="layout" svg:width="0.001cm" svg:height="0.002cm" svg:x="0.004cm" svg:y="0cm" draw:page-number="9" presentation:class="page"/>
-          <draw:frame presentation:style-name="pr1" draw:text-style-name="P13" draw:layer="layout" svg:width="16.799cm" svg:height="13.364cm" svg:x="2.1cm" svg:y="14.107cm" presentation:class="notes" presentation:placeholder="true">
+          <draw:frame presentation:style-name="pr1" draw:text-style-name="P11" draw:layer="layout" svg:width="16.799cm" svg:height="13.364cm" svg:x="2.1cm" svg:y="14.107cm" presentation:class="notes" presentation:placeholder="true">
             <draw:text-box/>
           </draw:frame>
         </presentation:notes>
       </draw:page>
       <draw:page draw:name="page10" draw:style-name="dp1" draw:master-page-name="TitleMaster" presentation:presentation-page-layout-name="AL2T1">
         <office:forms form:automatic-focus="false" form:apply-design-mode="false"/>
-        <draw:frame presentation:style-name="pr3" draw:layer="layout" svg:width="19.05cm" svg:height="2.2cm" svg:x="3.175cm" svg:y="0.8cm" presentation:class="title" presentation:user-transformed="true">
-          <draw:text-box>
-            <text:p>Диаграмма состояний</text:p>
-          </draw:text-box>
-        </draw:frame>
-        <draw:frame draw:style-name="gr6" draw:text-style-name="P14" draw:layer="layout" svg:width="8.807cm" svg:height="11.09cm" svg:x="8.297cm" svg:y="3.188cm">
-          <draw:image xlink:href="Pictures/1000000100000243000002D904D1F4EC70BA02A1.png" xlink:type="simple" xlink:show="embed" xlink:actuate="onLoad" draw:mime-type="image/png">
+        <draw:frame presentation:style-name="pr3" draw:layer="layout" svg:width="24.6cm" svg:height="6.945cm" svg:x="0.4cm" svg:y="-0.972cm" presentation:class="title" presentation:user-transformed="true">
+          <draw:text-box>
+            <text:p>Взаимодействие элементов для примера диаграммы последовательности</text:p>
+          </draw:text-box>
+        </draw:frame>
+        <draw:frame draw:style-name="gr6" draw:text-style-name="P12" draw:layer="layout" svg:width="11.066cm" svg:height="9.084cm" svg:x="7.167cm" svg:y="5.156cm">
+          <draw:image xlink:href="Pictures/10000000000002710000020128A9398E.png" xlink:type="simple" xlink:show="embed" xlink:actuate="onLoad" draw:mime-type="image/png">
             <text:p/>
           </draw:image>
         </draw:frame>
-        <presentation:notes draw:style-name="dp2">
+        <presentation:notes draw:style-name="dp1">
+          <office:forms form:automatic-focus="false" form:apply-design-mode="false"/>
           <draw:page-thumbnail draw:style-name="gr5" draw:layer="layout" svg:width="0.001cm" svg:height="0.002cm" svg:x="0.004cm" svg:y="0cm" draw:page-number="10" presentation:class="page"/>
-          <draw:frame presentation:style-name="pr1" draw:text-style-name="P13" draw:layer="layout" svg:width="16.799cm" svg:height="13.364cm" svg:x="2.1cm" svg:y="14.107cm" presentation:class="notes" presentation:placeholder="true">
+          <draw:frame presentation:style-name="pr1" draw:text-style-name="P11" draw:layer="layout" svg:width="16.799cm" svg:height="13.364cm" svg:x="2.1cm" svg:y="14.107cm" presentation:class="notes" presentation:placeholder="true">
             <draw:text-box/>
           </draw:frame>
         </presentation:notes>
       </draw:page>
       <draw:page draw:name="page11" draw:style-name="dp1" draw:master-page-name="TitleMaster" presentation:presentation-page-layout-name="AL2T1">
         <office:forms form:automatic-focus="false" form:apply-design-mode="false"/>
-        <draw:frame presentation:style-name="pr3" draw:layer="layout" svg:width="19.05cm" svg:height="2.2cm" svg:x="3.175cm" svg:y="0.8cm" presentation:class="title" presentation:user-transformed="true">
-          <draw:text-box>
-            <text:p>Диаграмма деятельности</text:p>
-          </draw:text-box>
-        </draw:frame>
-        <draw:frame draw:style-name="gr6" draw:text-style-name="P14" draw:layer="layout" svg:width="16.305cm" svg:height="11.451cm" svg:x="4.548cm" svg:y="2.827cm">
-          <draw:image xlink:href="Pictures/100000000000047600000322202560AC5A10339A.png" xlink:type="simple" xlink:show="embed" xlink:actuate="onLoad" draw:mime-type="image/png">
+        <draw:frame presentation:style-name="pr2" draw:layer="layout" svg:width="19.05cm" svg:height="3.473cm" svg:x="3.175cm" svg:y="0.164cm" presentation:class="title" presentation:user-transformed="true">
+          <draw:text-box>
+            <text:p>Пример диаграммы кооперации</text:p>
+          </draw:text-box>
+        </draw:frame>
+        <draw:frame draw:style-name="gr7" draw:text-style-name="P13" draw:layer="layout" svg:width="15.265cm" svg:height="8.995cm" svg:x="5.101cm" svg:y="3.937cm">
+          <draw:image xlink:href="Pictures/10000001000002410000015445E18A0A.png" xlink:type="simple" xlink:show="embed" xlink:actuate="onLoad" draw:mime-type="image/png">
             <text:p/>
           </draw:image>
         </draw:frame>
         <presentation:notes draw:style-name="dp2">
           <draw:page-thumbnail draw:style-name="gr5" draw:layer="layout" svg:width="0.001cm" svg:height="0.002cm" svg:x="0.004cm" svg:y="0cm" draw:page-number="11" presentation:class="page"/>
-          <draw:frame presentation:style-name="pr1" draw:text-style-name="P13" draw:layer="layout" svg:width="16.799cm" svg:height="13.364cm" svg:x="2.1cm" svg:y="14.107cm" presentation:class="notes" presentation:placeholder="true">
+          <draw:frame presentation:style-name="pr1" draw:text-style-name="P11" draw:layer="layout" svg:width="16.799cm" svg:height="13.364cm" svg:x="2.1cm" svg:y="14.107cm" presentation:class="notes" presentation:placeholder="true">
             <draw:text-box/>
           </draw:frame>
         </presentation:notes>
       </draw:page>
       <draw:page draw:name="page12" draw:style-name="dp1" draw:master-page-name="TitleMaster" presentation:presentation-page-layout-name="AL2T1">
         <office:forms form:automatic-focus="false" form:apply-design-mode="false"/>
-        <draw:frame presentation:style-name="pr3" draw:layer="layout" svg:width="19.05cm" svg:height="2.2cm" svg:x="3.175cm" svg:y="0.8cm" presentation:class="title" presentation:user-transformed="true">
-          <draw:text-box>
-            <text:p>Диаграмма компонентов</text:p>
-          </draw:text-box>
-        </draw:frame>
-        <draw:frame draw:style-name="gr6" draw:text-style-name="P14" draw:layer="layout" svg:width="8.706cm" svg:height="10.377cm" svg:x="8.347cm" svg:y="3.222cm">
-          <draw:image xlink:href="Pictures/1000000100000187000001D2080E62D2A4AFD0FD.png" xlink:type="simple" xlink:show="embed" xlink:actuate="onLoad" draw:mime-type="image/png">
+        <draw:frame presentation:style-name="pr2" draw:layer="layout" svg:width="19.05cm" svg:height="3.473cm" svg:x="3.175cm" svg:y="0.164cm" presentation:class="title" presentation:user-transformed="true">
+          <draw:text-box>
+            <text:p>Диаграмма последовательности</text:p>
+          </draw:text-box>
+        </draw:frame>
+        <draw:frame draw:style-name="gr7" draw:text-style-name="P13" draw:layer="layout" svg:width="18.044cm" svg:height="9.048cm" svg:x="3.712cm" svg:y="4.911cm">
+          <draw:image xlink:href="Pictures/10000001000002AA00000156DDFD0186.png" xlink:type="simple" xlink:show="embed" xlink:actuate="onLoad" draw:mime-type="image/png">
             <text:p/>
           </draw:image>
         </draw:frame>
         <presentation:notes draw:style-name="dp2">
           <draw:page-thumbnail draw:style-name="gr5" draw:layer="layout" svg:width="0.001cm" svg:height="0.002cm" svg:x="0.004cm" svg:y="0cm" draw:page-number="12" presentation:class="page"/>
-          <draw:frame presentation:style-name="pr1" draw:text-style-name="P13" draw:layer="layout" svg:width="16.799cm" svg:height="13.364cm" svg:x="2.1cm" svg:y="14.107cm" presentation:class="notes" presentation:placeholder="true">
+          <draw:frame presentation:style-name="pr1" draw:text-style-name="P11" draw:layer="layout" svg:width="16.799cm" svg:height="13.364cm" svg:x="2.1cm" svg:y="14.107cm" presentation:class="notes" presentation:placeholder="true">
             <draw:text-box/>
           </draw:frame>
         </presentation:notes>
       </draw:page>
       <draw:page draw:name="page13" draw:style-name="dp1" draw:master-page-name="TitleMaster" presentation:presentation-page-layout-name="AL2T1">
-        <draw:frame presentation:style-name="pr2" draw:layer="layout" svg:width="19.05cm" svg:height="3.473cm" svg:x="3.175cm" svg:y="0.164cm" presentation:class="title" presentation:user-transformed="true">
-          <draw:text-box>
-            <text:p>Диаграмма развертывания</text:p>
-          </draw:text-box>
-        </draw:frame>
-        <draw:frame draw:style-name="gr6" draw:text-style-name="P14" draw:layer="layout" svg:width="12.113cm" svg:height="10.485cm" svg:x="6.644cm" svg:y="3.716cm">
-          <draw:image xlink:href="Pictures/1000000100000209000001C3D611D6D45A14146F.png" xlink:type="simple" xlink:show="embed" xlink:actuate="onLoad" draw:mime-type="image/png">
+        <office:forms form:automatic-focus="false" form:apply-design-mode="false"/>
+        <draw:frame presentation:style-name="pr2" draw:layer="layout" svg:width="19.05cm" svg:height="5.209cm" svg:x="3.175cm" svg:y="-0.204cm" presentation:class="title" presentation:user-transformed="true">
+          <draw:text-box>
+            <text:p>Взаимодействие элементов диаграммы последовательности</text:p>
+          </draw:text-box>
+        </draw:frame>
+        <draw:frame draw:style-name="gr6" draw:text-style-name="P12" draw:layer="layout" svg:width="11.903cm" svg:height="9.227cm" svg:x="6.749cm" svg:y="5.005cm">
+          <draw:image xlink:href="Pictures/100000000000028E000001FB046ECC4D.png" xlink:type="simple" xlink:show="embed" xlink:actuate="onLoad" draw:mime-type="image/png">
             <text:p/>
           </draw:image>
         </draw:frame>
+        <presentation:notes draw:style-name="dp1">
+          <office:forms form:automatic-focus="false" form:apply-design-mode="false"/>
+          <draw:page-thumbnail draw:style-name="gr5" draw:layer="layout" svg:width="0.001cm" svg:height="0.002cm" svg:x="0.004cm" svg:y="0cm" draw:page-number="13" presentation:class="page"/>
+          <draw:frame presentation:style-name="pr1" draw:text-style-name="P11" draw:layer="layout" svg:width="16.799cm" svg:height="13.364cm" svg:x="2.1cm" svg:y="14.107cm" presentation:class="notes" presentation:placeholder="true">
+            <draw:text-box/>
+          </draw:frame>
+        </presentation:notes>
+      </draw:page>
+      <draw:page draw:name="page14" draw:style-name="dp1" draw:master-page-name="TitleMaster" presentation:presentation-page-layout-name="AL2T1">
+        <office:forms form:automatic-focus="false" form:apply-design-mode="false"/>
+        <draw:frame presentation:style-name="pr4" draw:layer="layout" svg:width="19.05cm" svg:height="2.2cm" svg:x="3.175cm" svg:y="0.8cm" presentation:class="title" presentation:user-transformed="true">
+          <draw:text-box>
+            <text:p>Диаграмма кооперации</text:p>
+          </draw:text-box>
+        </draw:frame>
+        <draw:frame draw:style-name="gr7" draw:text-style-name="P13" draw:layer="layout" svg:width="13.281cm" svg:height="8.519cm" svg:x="6.093cm" svg:y="4.875cm">
+          <draw:image xlink:href="Pictures/10000001000001F6000001422F990367.png" xlink:type="simple" xlink:show="embed" xlink:actuate="onLoad" draw:mime-type="image/png">
+            <text:p/>
+          </draw:image>
+        </draw:frame>
         <presentation:notes draw:style-name="dp2">
-          <draw:page-thumbnail draw:style-name="gr5" draw:layer="layout" svg:width="0.001cm" svg:height="0.002cm" svg:x="0.004cm" svg:y="0cm" draw:page-number="13" presentation:class="page"/>
-          <draw:frame presentation:style-name="pr1" draw:text-style-name="P13" draw:layer="layout" svg:width="16.799cm" svg:height="13.364cm" svg:x="2.1cm" svg:y="14.107cm" presentation:class="notes" presentation:placeholder="true">
+          <draw:page-thumbnail draw:style-name="gr5" draw:layer="layout" svg:width="0.001cm" svg:height="0.002cm" svg:x="0.004cm" svg:y="0cm" draw:page-number="14" presentation:class="page"/>
+          <draw:frame presentation:style-name="pr1" draw:text-style-name="P11" draw:layer="layout" svg:width="16.799cm" svg:height="13.364cm" svg:x="2.1cm" svg:y="14.107cm" presentation:class="notes" presentation:placeholder="true">
+            <draw:text-box/>
+          </draw:frame>
+        </presentation:notes>
+      </draw:page>
+      <draw:page draw:name="page15" draw:style-name="dp1" draw:master-page-name="TitleMaster" presentation:presentation-page-layout-name="AL2T1">
+        <office:forms form:automatic-focus="false" form:apply-design-mode="false"/>
+        <draw:frame presentation:style-name="pr4" draw:layer="layout" svg:width="19.05cm" svg:height="2.2cm" svg:x="3.175cm" svg:y="0.8cm" presentation:class="title" presentation:user-transformed="true">
+          <draw:text-box>
+            <text:p>Диаграмма классов</text:p>
+          </draw:text-box>
+        </draw:frame>
+        <draw:frame draw:style-name="gr7" draw:text-style-name="P13" draw:layer="layout" svg:width="12.007cm" svg:height="11.477cm" svg:x="6.697cm" svg:y="2.801cm">
+          <draw:image xlink:href="Pictures/1000000100000263000002483D3DB0EF.png" xlink:type="simple" xlink:show="embed" xlink:actuate="onLoad" draw:mime-type="image/png">
+            <text:p/>
+          </draw:image>
+        </draw:frame>
+        <presentation:notes draw:style-name="dp2">
+          <draw:page-thumbnail draw:style-name="gr5" draw:layer="layout" svg:width="0.001cm" svg:height="0.002cm" svg:x="0.004cm" svg:y="0cm" draw:page-number="15" presentation:class="page"/>
+          <draw:frame presentation:style-name="pr1" draw:text-style-name="P11" draw:layer="layout" svg:width="16.799cm" svg:height="13.364cm" svg:x="2.1cm" svg:y="14.107cm" presentation:class="notes" presentation:placeholder="true">
+            <draw:text-box/>
+          </draw:frame>
+        </presentation:notes>
+      </draw:page>
+      <draw:page draw:name="page16" draw:style-name="dp1" draw:master-page-name="TitleMaster" presentation:presentation-page-layout-name="AL2T1">
+        <office:forms form:automatic-focus="false" form:apply-design-mode="false"/>
+        <draw:frame presentation:style-name="pr4" draw:layer="layout" svg:width="19.05cm" svg:height="3.473cm" svg:x="3.175cm" svg:y="0.164cm" presentation:class="title" presentation:user-transformed="true">
+          <draw:text-box>
+            <text:p>Описание классов диаграммы классов</text:p>
+          </draw:text-box>
+        </draw:frame>
+        <draw:frame draw:style-name="gr6" draw:text-style-name="P12" draw:layer="layout" svg:width="9.797cm" svg:height="10.395cm" svg:x="7.802cm" svg:y="3.874cm">
+          <draw:image xlink:href="Pictures/100000000000026F000002953CACBCC5.png" xlink:type="simple" xlink:show="embed" xlink:actuate="onLoad" draw:mime-type="image/png">
+            <text:p/>
+          </draw:image>
+        </draw:frame>
+        <presentation:notes draw:style-name="dp1">
+          <office:forms form:automatic-focus="false" form:apply-design-mode="false"/>
+          <draw:page-thumbnail draw:style-name="gr5" draw:layer="layout" svg:width="0.001cm" svg:height="0.002cm" svg:x="0.004cm" svg:y="0cm" draw:page-number="16" presentation:class="page"/>
+          <draw:frame presentation:style-name="pr1" draw:text-style-name="P11" draw:layer="layout" svg:width="16.799cm" svg:height="13.364cm" svg:x="2.1cm" svg:y="14.107cm" presentation:class="notes" presentation:placeholder="true">
+            <draw:text-box/>
+          </draw:frame>
+        </presentation:notes>
+      </draw:page>
+      <draw:page draw:name="page17" draw:style-name="dp1" draw:master-page-name="TitleMaster" presentation:presentation-page-layout-name="AL2T1">
+        <office:forms form:automatic-focus="false" form:apply-design-mode="false"/>
+        <draw:frame presentation:style-name="pr4" draw:layer="layout" svg:width="19.05cm" svg:height="5.209cm" svg:x="3.175cm" svg:y="-0.204cm" presentation:class="title" presentation:user-transformed="true">
+          <draw:text-box>
+            <text:p>Взаимодействие между классами диаграммы классов</text:p>
+          </draw:text-box>
+        </draw:frame>
+        <draw:frame draw:style-name="gr6" draw:text-style-name="P12" draw:layer="layout" svg:width="16.737cm" svg:height="9.32cm" svg:x="4.332cm" svg:y="4.878cm">
+          <draw:image xlink:href="Pictures/100000000000024400000143C14432A6.png" xlink:type="simple" xlink:show="embed" xlink:actuate="onLoad" draw:mime-type="image/png">
+            <text:p/>
+          </draw:image>
+        </draw:frame>
+        <presentation:notes draw:style-name="dp1">
+          <office:forms form:automatic-focus="false" form:apply-design-mode="false"/>
+          <draw:page-thumbnail draw:style-name="gr5" draw:layer="layout" svg:width="0.001cm" svg:height="0.002cm" svg:x="0.004cm" svg:y="0cm" draw:page-number="17" presentation:class="page"/>
+          <draw:frame presentation:style-name="pr1" draw:text-style-name="P11" draw:layer="layout" svg:width="16.799cm" svg:height="13.364cm" svg:x="2.1cm" svg:y="14.107cm" presentation:class="notes" presentation:placeholder="true">
+            <draw:text-box/>
+          </draw:frame>
+        </presentation:notes>
+      </draw:page>
+      <draw:page draw:name="page18" draw:style-name="dp1" draw:master-page-name="TitleMaster" presentation:presentation-page-layout-name="AL2T1">
+        <office:forms form:automatic-focus="false" form:apply-design-mode="false"/>
+        <draw:frame presentation:style-name="pr4" draw:layer="layout" svg:width="19.05cm" svg:height="2.2cm" svg:x="3.175cm" svg:y="0.8cm" presentation:class="title" presentation:user-transformed="true">
+          <draw:text-box>
+            <text:p>Диаграмма состояний</text:p>
+          </draw:text-box>
+        </draw:frame>
+        <draw:frame draw:style-name="gr7" draw:text-style-name="P13" draw:layer="layout" svg:width="8.807cm" svg:height="11.09cm" svg:x="8.297cm" svg:y="3.188cm">
+          <draw:image xlink:href="Pictures/1000000100000243000002D9F1BEA288.png" xlink:type="simple" xlink:show="embed" xlink:actuate="onLoad" draw:mime-type="image/png">
+            <text:p/>
+          </draw:image>
+        </draw:frame>
+        <presentation:notes draw:style-name="dp2">
+          <draw:page-thumbnail draw:style-name="gr5" draw:layer="layout" svg:width="0.001cm" svg:height="0.002cm" svg:x="0.004cm" svg:y="0cm" draw:page-number="18" presentation:class="page"/>
+          <draw:frame presentation:style-name="pr1" draw:text-style-name="P11" draw:layer="layout" svg:width="16.799cm" svg:height="13.364cm" svg:x="2.1cm" svg:y="14.107cm" presentation:class="notes" presentation:placeholder="true">
+            <draw:text-box/>
+          </draw:frame>
+        </presentation:notes>
+      </draw:page>
+      <draw:page draw:name="page19" draw:style-name="dp1" draw:master-page-name="TitleMaster" presentation:presentation-page-layout-name="AL2T1">
+        <office:forms form:automatic-focus="false" form:apply-design-mode="false"/>
+        <draw:frame presentation:style-name="pr4" draw:layer="layout" svg:width="19.05cm" svg:height="2.2cm" svg:x="3.175cm" svg:y="0.8cm" presentation:class="title" presentation:user-transformed="true">
+          <draw:text-box>
+            <text:p>Диаграмма деятельности</text:p>
+          </draw:text-box>
+        </draw:frame>
+        <draw:frame draw:style-name="gr7" draw:text-style-name="P13" draw:layer="layout" svg:width="16.305cm" svg:height="11.451cm" svg:x="4.548cm" svg:y="2.827cm">
+          <draw:image xlink:href="Pictures/10000000000004760000032224A4DB49.png" xlink:type="simple" xlink:show="embed" xlink:actuate="onLoad" draw:mime-type="image/png">
+            <text:p/>
+          </draw:image>
+        </draw:frame>
+        <presentation:notes draw:style-name="dp2">
+          <draw:page-thumbnail draw:style-name="gr5" draw:layer="layout" svg:width="0.001cm" svg:height="0.002cm" svg:x="0.004cm" svg:y="0cm" draw:page-number="19" presentation:class="page"/>
+          <draw:frame presentation:style-name="pr1" draw:text-style-name="P11" draw:layer="layout" svg:width="16.799cm" svg:height="13.364cm" svg:x="2.1cm" svg:y="14.107cm" presentation:class="notes" presentation:placeholder="true">
+            <draw:text-box/>
+          </draw:frame>
+        </presentation:notes>
+      </draw:page>
+      <draw:page draw:name="page20" draw:style-name="dp1" draw:master-page-name="TitleMaster" presentation:presentation-page-layout-name="AL2T1">
+        <office:forms form:automatic-focus="false" form:apply-design-mode="false"/>
+        <draw:frame presentation:style-name="pr4" draw:layer="layout" svg:width="19.05cm" svg:height="2.2cm" svg:x="3.175cm" svg:y="0.8cm" presentation:class="title" presentation:user-transformed="true">
+          <draw:text-box>
+            <text:p>Диаграмма компонентов</text:p>
+          </draw:text-box>
+        </draw:frame>
+        <draw:frame draw:style-name="gr7" draw:text-style-name="P13" draw:layer="layout" svg:width="8.706cm" svg:height="10.377cm" svg:x="8.347cm" svg:y="3.222cm">
+          <draw:image xlink:href="Pictures/1000000100000187000001D2EED7EE95.png" xlink:type="simple" xlink:show="embed" xlink:actuate="onLoad" draw:mime-type="image/png">
+            <text:p/>
+          </draw:image>
+        </draw:frame>
+        <presentation:notes draw:style-name="dp2">
+          <draw:page-thumbnail draw:style-name="gr5" draw:layer="layout" svg:width="0.001cm" svg:height="0.002cm" svg:x="0.004cm" svg:y="0cm" draw:page-number="20" presentation:class="page"/>
+          <draw:frame presentation:style-name="pr1" draw:text-style-name="P11" draw:layer="layout" svg:width="16.799cm" svg:height="13.364cm" svg:x="2.1cm" svg:y="14.107cm" presentation:class="notes" presentation:placeholder="true">
+            <draw:text-box/>
+          </draw:frame>
+        </presentation:notes>
+      </draw:page>
+      <draw:page draw:name="page21" draw:style-name="dp1" draw:master-page-name="TitleMaster" presentation:presentation-page-layout-name="AL2T1">
+        <office:forms form:automatic-focus="false" form:apply-design-mode="false"/>
+        <draw:frame presentation:style-name="pr2" draw:layer="layout" svg:width="19.05cm" svg:height="3.473cm" svg:x="3.175cm" svg:y="0.164cm" presentation:class="title" presentation:user-transformed="true">
+          <draw:text-box>
+            <text:p>Диаграмма развертывания</text:p>
+          </draw:text-box>
+        </draw:frame>
+        <draw:frame draw:style-name="gr7" draw:text-style-name="P13" draw:layer="layout" svg:width="12.113cm" svg:height="10.485cm" svg:x="6.644cm" svg:y="3.716cm">
+          <draw:image xlink:href="Pictures/1000000100000209000001C3A3DC4C21.png" xlink:type="simple" xlink:show="embed" xlink:actuate="onLoad" draw:mime-type="image/png">
+            <text:p/>
+          </draw:image>
+        </draw:frame>
+        <presentation:notes draw:style-name="dp2">
+          <draw:page-thumbnail draw:style-name="gr5" draw:layer="layout" svg:width="0.001cm" svg:height="0.002cm" svg:x="0.004cm" svg:y="0cm" draw:page-number="21" presentation:class="page"/>
+          <draw:frame presentation:style-name="pr1" draw:text-style-name="P11" draw:layer="layout" svg:width="16.799cm" svg:height="13.364cm" svg:x="2.1cm" svg:y="14.107cm" presentation:class="notes" presentation:placeholder="true">
             <draw:text-box/>
           </draw:frame>
         </presentation:notes>
@@ -742,26 +908,28 @@
 </file>
 
 <file path=meta.xml><?xml version="1.0" encoding="utf-8"?>
-<office:document-meta xmlns:office="urn:oasis:names:tc:opendocument:xmlns:office:1.0" xmlns:ooo="http://openoffice.org/2004/office" xmlns:xlink="http://www.w3.org/1999/xlink" xmlns:dc="http://purl.org/dc/elements/1.1/" xmlns:meta="urn:oasis:names:tc:opendocument:xmlns:meta:1.0" xmlns:grddl="http://www.w3.org/2003/g/data-view#" xmlns:presentation="urn:oasis:names:tc:opendocument:xmlns:presentation:1.0" xmlns:smil="urn:oasis:names:tc:opendocument:xmlns:smil-compatible:1.0" xmlns:anim="urn:oasis:names:tc:opendocument:xmlns:animation:1.0" xmlns:officeooo="http://openoffice.org/2009/office" office:version="1.3">
+<office:document-meta xmlns:office="urn:oasis:names:tc:opendocument:xmlns:office:1.0" xmlns:ooo="http://openoffice.org/2004/office" xmlns:xlink="http://www.w3.org/1999/xlink" xmlns:dc="http://purl.org/dc/elements/1.1/" xmlns:meta="urn:oasis:names:tc:opendocument:xmlns:meta:1.0" xmlns:grddl="http://www.w3.org/2003/g/data-view#" xmlns:presentation="urn:oasis:names:tc:opendocument:xmlns:presentation:1.0" xmlns:smil="urn:oasis:names:tc:opendocument:xmlns:smil-compatible:1.0" xmlns:anim="urn:oasis:names:tc:opendocument:xmlns:animation:1.0" xmlns:officeooo="http://openoffice.org/2009/office" office:version="1.4">
   <office:meta>
     <meta:creation-date>2016-09-26T13:24:41.636000000</meta:creation-date>
-    <meta:generator>LibreOffice/7.6.2.1$Windows_X86_64 LibreOffice_project/56f7684011345957bbf33a7ee678afaf4d2ba333</meta:generator>
-    <dc:date>2025-05-14T16:58:45.194000000</dc:date>
-    <meta:editing-duration>PT22M20S</meta:editing-duration>
-    <meta:editing-cycles>2</meta:editing-cycles>
-    <meta:document-statistic meta:object-count="119"/>
+    <meta:generator>LibreOffice/25.2.2.2$Windows_X86_64 LibreOffice_project/7370d4be9e3cf6031a51beef54ff3bda878e3fac</meta:generator>
+    <dc:date>2025-05-14T23:30:22.868674600</dc:date>
+    <meta:editing-duration>PT30M36S</meta:editing-duration>
+    <meta:editing-cycles>3</meta:editing-cycles>
+    <meta:print-date>2025-05-14T23:31:23.291003500</meta:print-date>
+    <meta:printed-by>Файлы PDF</meta:printed-by>
+    <meta:document-statistic meta:object-count="152"/>
   </office:meta>
 </office:document-meta>
 </file>
 
 <file path=settings.xml><?xml version="1.0" encoding="utf-8"?>
-<office:document-settings xmlns:office="urn:oasis:names:tc:opendocument:xmlns:office:1.0" xmlns:ooo="http://openoffice.org/2004/office" xmlns:xlink="http://www.w3.org/1999/xlink" xmlns:config="urn:oasis:names:tc:opendocument:xmlns:config:1.0" xmlns:presentation="urn:oasis:names:tc:opendocument:xmlns:presentation:1.0" xmlns:smil="urn:oasis:names:tc:opendocument:xmlns:smil-compatible:1.0" xmlns:anim="urn:oasis:names:tc:opendocument:xmlns:animation:1.0" xmlns:officeooo="http://openoffice.org/2009/office" office:version="1.3">
+<office:document-settings xmlns:office="urn:oasis:names:tc:opendocument:xmlns:office:1.0" xmlns:ooo="http://openoffice.org/2004/office" xmlns:xlink="http://www.w3.org/1999/xlink" xmlns:config="urn:oasis:names:tc:opendocument:xmlns:config:1.0" xmlns:presentation="urn:oasis:names:tc:opendocument:xmlns:presentation:1.0" xmlns:smil="urn:oasis:names:tc:opendocument:xmlns:smil-compatible:1.0" xmlns:anim="urn:oasis:names:tc:opendocument:xmlns:animation:1.0" xmlns:officeooo="http://openoffice.org/2009/office" office:version="1.4">
   <office:settings>
     <config:config-item-set config:name="ooo:view-settings">
-      <config:config-item config:name="VisibleAreaTop" config:type="int">-3175</config:config-item>
-      <config:config-item config:name="VisibleAreaLeft" config:type="int">-3395</config:config-item>
-      <config:config-item config:name="VisibleAreaWidth" config:type="int">37108</config:config-item>
-      <config:config-item config:name="VisibleAreaHeight" config:type="int">19050</config:config-item>
+      <config:config-item config:name="VisibleAreaTop" config:type="int">-1531</config:config-item>
+      <config:config-item config:name="VisibleAreaLeft" config:type="int">-2627</config:config-item>
+      <config:config-item config:name="VisibleAreaWidth" config:type="int">30635</config:config-item>
+      <config:config-item config:name="VisibleAreaHeight" config:type="int">17311</config:config-item>
       <config:config-item-map-indexed config:name="Views">
         <config:config-item-map-entry>
           <config:config-item config:name="ViewId" config:type="string">view1</config:config-item>
@@ -789,10 +957,10 @@
           <config:config-item config:name="IsClickChangeRotation" config:type="boolean">true</config:config-item>
           <config:config-item config:name="SlidesPerRow" config:type="short">4</config:config-item>
           <config:config-item config:name="EditMode" config:type="int">0</config:config-item>
-          <config:config-item config:name="VisibleAreaTop" config:type="int">-3175</config:config-item>
-          <config:config-item config:name="VisibleAreaLeft" config:type="int">-3395</config:config-item>
-          <config:config-item config:name="VisibleAreaWidth" config:type="int">37109</config:config-item>
-          <config:config-item config:name="VisibleAreaHeight" config:type="int">19051</config:config-item>
+          <config:config-item config:name="VisibleAreaTop" config:type="int">-1531</config:config-item>
+          <config:config-item config:name="VisibleAreaLeft" config:type="int">-2627</config:config-item>
+          <config:config-item config:name="VisibleAreaWidth" config:type="int">30636</config:config-item>
+          <config:config-item config:name="VisibleAreaHeight" config:type="int">17312</config:config-item>
           <config:config-item config:name="GridCoarseWidth" config:type="int">2000</config:config-item>
           <config:config-item config:name="GridCoarseHeight" config:type="int">2000</config:config-item>
           <config:config-item config:name="GridFineWidth" config:type="int">200</config:config-item>
@@ -812,9 +980,6 @@
       </config:config-item-map-indexed>
     </config:config-item-set>
     <config:config-item-set config:name="ooo:configuration-settings">
-      <config:config-item config:name="IsPrintBookletBack" config:type="boolean">true</config:config-item>
-      <config:config-item config:name="DefaultTabStop" config:type="int">1250</config:config-item>
-      <config:config-item config:name="PrinterName" config:type="string">Microsoft Print to PDF</config:config-item>
       <config:config-item-map-indexed config:name="ForbiddenCharacters">
         <config:config-item-map-entry>
           <config:config-item config:name="Language" config:type="string">ru</config:config-item>
@@ -824,42 +989,45 @@
           <config:config-item config:name="EndLine" config:type="string"/>
         </config:config-item-map-entry>
       </config:config-item-map-indexed>
-      <config:config-item config:name="PrinterSetup" config:type="base64Binary">bBb+/01pY3Jvc29mdCBQcmludCB0byBQREYAAAAAAAAAAAAAAAAAAAAAAAAAAAAAAAAAAAAAAAAAAAAAAAAAAAAAAAAAAAAAAAAAAAAAAAAAAAAAAAAAAAAAAAAAAAAAAAAAAAAAAAAAAAAAAAAAAAAAAAAAAAAAAAAAAAAAAAAAAAAATWljcm9zb2Z0IFByaW50IFRvIFBERgAAAAAAAAAAAAAWAAEAPhUAAAAAAAAEAAhSAAAEdAAAM1ROVwAAAAAKAE0AaQBjAHIAbwBzAG8AZgB0ACAAUAByAGkAbgB0ACAAdABvACAAUABEAEYAAAAAAAAAAAAAAAAAAAAAAAAAAAABBAMG3ABYFAMtAQABAAkAmgs0CGQAAQAPAFgCAgABAFgCAwABAEEANAAAAAAAAAAAAAAAAAAAAAAAAAAAAAAAAAAAAAAAAAAAAAAAAAAAAAAAAAAAAAAAAAAAAAAAAAAAAAAAAAAAAAAAAAAAAAAAAAAAAAEAAAAAAAAAAQAAAAIAAAABAAAA/////0dJUzQAAAAAAAAAAAAAAABESU5VIgDQACwDLBHiXo1TAAAAAAAAAAAAAAAAAAAAAAAAAAAAAAAAAAAAAAUAAAAAABkAAQAAAAAAAAAAAAAAAAAAAAAAAAAAAAAAAAAAAAAAAAAAAAAAAAAAAAAAAAAAAAAAAAAAAAAAAAAAAAAAAAAAAAAAAAAAAAAAAAAAAAAAAAAAAAAAAAAAAAAAAAAAAAAAAAAAAAAAAAAAAAAAAAAAAAAAAAAAAAAAAAAAAAAAAAAAAAAAAAAAAAAAAAAAAAAAAAAAAAAAAAAAAAAAAAAAAAAAAAAAAAAAAAAAAAAAAAAAAAAAAAAAAAAAAAAAAAAAAAAAAAAAAAAAAAAAAAAAAAAAAAAAAAAAAAAAAAAAAAAAAAAAAAAAAAAAAAAAAAAAAAAAAAAAAAAAAAAAAAAAAAAAAAAAAAAAAAAAAAAAAAAAAAAAAAAAAAAAAAAAAAAAAAAAAAAAAAAAAAAAAAAAAAAAAAAAAAAAAAAAAAAAAAAAAAAAAAAAAAAAAAAAAAAAAAAAAAAAAAAAAAAAAAAAAAAAAAAAAAAAAAAAAAAAAAAAAAAAAAAAAAAAAAAAAAAAAAAAAAAAAAAAAAAAAAAAAAAAAAAAAAAAAAAAAAAAAAAAAAAAAAAAAAAAAAAAAAAAAAAAAAAAAAAAAAAAAAAAAAAAAAAAAAAAAAAAAAAAAAAAAAAAAAAAAAAAAAAAAAAAAAAAAAAAAAAAAAAAAAAAAAAAAAAAAAAAAAAAAAEAAAAAAAAAAAAAAAAAAAAAAAAAAAAAAAAAAAAAAAAAAAAAAAAAAAAAAAAA0AAAAFNNVEoAAAAAEADAAHsAMAA4ADQARgAwADEARgBBAC0ARQA2ADMANAAtADQARAA3ADcALQA4ADMARQBFAC0AMAA3ADQAOAAxADcAQwAwADMANQA4ADEAfQAAAFJFU0RMTABVbmlyZXNETEwAUGFwZXJTaXplAEE0AE9yaWVudGF0aW9uAFBPUlRSQUlUAFJlc29sdXRpb24AUmVzT3B0aW9uMQBDb2xvck1vZGUAQ29sb3IAAAAAAAAAAAAAAAAAAAAAAAAAAAAAAAAAACwRAABWNERNAQAAAAAAAACcCnAiHAAAAOwAAAADAAAA+gFPCDTmd02D7gdIF8A1gdAAAABMAAAAAwAAAAAIAAAAAAAAAAAAAAMAAAAACAAAKgAAAAAIAAADAAAAQAAAAFYAAAAAEAAARABvAGMAdQBtAGUAbgB0AFUAcwBlAHIAUABhAHMAcwB3AG8AcgBkAAAARABvAGMAdQBtAGUAbgB0AE8AdwBuAGUAcgBQAGEAcwBzAHcAbwByAGQAAABEAG8AYwB1AG0AZQBuAHQAQwByAHkAcAB0AFMAZQBjAHUAcgBpAHQAeQAAAAAAAAAAAAAAAAAAAAAAAAAAAAAAAAAAAAAAAAAAAAAAAAAAAAAAAAAAAAAAAAAAAAAAAAAAAAAAAAAAAAAAAAAAAAAAAAAAAAAAAAAAAAAAAAAAAAAAAAAAAAAAAAAAAAAAAAAAAAAAAAAAAAAAAAAAAAAAAAAAAAAAAAAAAAAAAAAAAAAAAAAAAAAAAAAAAAAAAAAAAAAAAAAAAAAAAAAAAAAAAAAAAAAAAAAAAAAAAAAAAAAAAAAAAAAAAAAAAAAAAAAAAAAAAAAAAAAAAAAAAAAAAAAAAAAAAAAAAAAAAAAAAAAAAAAAAAAAAAAAAAAAAAAAAAAAAAAAAAAAAAAAAAAAAAAAAAAAAAAAAAAAAAAAAAAAAAAAAAAAAAAAAAAAAAAAAAAAAAAAAAAAAAAAAAAAAAAAAAAAAAAAAAAAAAAAAAAAAAAAAAAAAAAAAAAAAAAAAAAAAAAAAAAAAAAAAAAAAAAAAAAAAAAAAAAAAAAAAAAAAAAAAAAAAAAAAAAAAAAAAAAAAAAAAAAAAAAAAAAAAAAAAAAAAAAAAAAAAAAAAAAAAAAAAAAAAAAAAAAAAAAAAAAAAAAAAAAAAAAAAAAAAAAAAAAAAAAAAAAAAAAAAAAAAAAAAAAAAAAAAAAAAAAAAAAAAAAAAAAAAAAAAAAAAAAAAAAAAAAAAAAAAAAAAAAAAAAAAAAAAAAAAAAAAAAAAAAAAAAAAAAAAAAAAAAAAAAAAAAAAAAAAAAAAAAAAAAAAAAAAAAAAAAAAAAAAAAAAAAAAAAAAAAAAAAAAAAAAAAAAAAAAAAAAAAAAAAAAAAAAAAAAAAAAAAAAAAAAAAAAAAAAAAAAAAAAAAAAAAAAAAAAAAAAAAAAAAAAAAAAAAAAAAAAAAAAAAAAAAAAAAAAAAAAAAAAAAAAAAAAAAAAAAAAAAAAAAAAAAAAAAAAAAAAAAAAAAAAAAAAAAAAAAAAAAAAAAAAAAAAAAAAAAAAAAAAAAAAAAAAAAAAAAAAAAAAAAAAAAAAAAAAAAAAAAAAAAAAAAAAAAAAAAAAAAAAAAAAAAAAAAAAAAAAAAAAAAAAAAAAAAAAAAAAAAAAAAAAAAAAAAAAAAAAAAAAAAAAAAAAAAAAAAAAAAAAAAAAAAAAAAAAAAAAAAAAAAAAAAAAAAAAAAAAAAAAAAAAAAAAAAAAAAAAAAAAAAAAAAAAAAAAAAAAAAAAAAAAAAAAAAAAAAAAAAAAAAAAAAAAAAAAAAAAAAAAAAAAAAAAAAAAAAAAAAAAAAAAAAAAAAAAAAAAAAAAAAAAAAAAAAAAAAAAAAAAAAAAAAAAAAAAAAAAAAAAAAAAAAAAAAAAAAAAAAAAAAAAAAAAAAAAAAAAAAAAAAAAAAAAAAAAAAAAAAAAAAAAAAAAAAAAAAAAAAAAAAAAAAAAAAAAAAAAAAAAAAAAAAAAAAAAAAAAAAAAAAAAAAAAAAAAAAAAAAAAAAAAAAAAAAAAAAAAAAAAAAAAAAAAAAAAAAAAAAAAAAAAAAAAAAAAAAAAAAAAAAAAAAAAAAAAAAAAAAAAAAAAAAAAAAAAAAAAAAAAAAAAAAAAAAAAAAAAAAAAAAAAAAAAAAAAAAAAAAAAAAAAAAAAAAAAAAAAAAAAAAAAAAAAAAAAAAAAAAAAAAAAAAAAAAAAAAAAAAAAAAAAAAAAAAAAAAAAAAAAAAAAAAAAAAAAAAAAAAAAAAAAAAAAAAAAAAAAAAAAAAAAAAAAAAAAAAAAAAAAAAAAAAAAAAAAAAAAAAAAAAAAAAAAAAAAAAAAAAAAAAAAAAAAAAAAAAAAAAAAAAAAAAAAAAAAAAAAAAAAAAAAAAAAAAAAAAAAAAAAAAAAAAAAAAAAAAAAAAAAAAAAAAAAAAAAAAAAAAAAAAAAAAAAAAAAAAAAAAAAAAAAAAAAAAAAAAAAAAAAAAAAAAAAAAAAAAAAAAAAAAAAAAAAAAAAAAAAAAAAAAAAAAAAAAAAAAAAAAAAAAAAAAAAAAAAAAAAAAAAAAAAAAAAAAAAAAAAAAAAAAAAAAAAAAAAAAAAAAAAAAAAAAAAAAAAAAAAAAAAAAAAAAAAAAAAAAAAAAAAAAAAAAAAAAAAAAAAAAAAAAAAAAAAAAAAAAAAAAAAAAAAAAAAAAAAAAAAAAAAAAAAAAAAAAAAAAAAAAAAAAAAAAAAAAAAAAAAAAAAAAAAAAAAAAAAAAAAAAAAAAAAAAAAAAAAAAAAAAAAAAAAAAAAAAAAAAAAAAAAAAAAAAAAAAAAAAAAAAAAAAAAAAAAAAAAAAAAAAAAAAAAAAAAAAAAAAAAAAAAAAAAAAAAAAAAAAAAAAAAAAAAAAAAAAAAAAAAAAAAAAAAAAAAAAAAAAAAAAAAAAAAAAAAAAAAAAAAAAAAAAAAAAAAAAAAAAAAAAAAAAAAAAAAAAAAAAAAAAAAAAAAAAAAAAAAAAAAAAAAAAAAAAAAAAAAAAAAAAAAAAAAAAAAAAAAAAAAAAAAAAAAAAAAAAAAAAAAAAAAAAAAAAAAAAAAAAAAAAAAAAAAAAAAAAAAAAAAAAAAAAAAAAAAAAAAAAAAAAAAAAAAAAAAAAAAAAAAAAAAAAAAAAAAAAAAAAAAAAAAAAAAAAAAAAAAAAAAAAAAAAAAAAAAAAAAAAAAAAAAAAAAAAAAAAAAAAAAAAAAAAAAAAAAAAAAAAAAAAAAAAAAAAAAAAAAAAAAAAAAAAAAAAAAAAAAAAAAAAAAAAAAAAAAAAAAAAAAAAAAAAAAAAAAAAAAAAAAAAAAAAAAAAAAAAAAAAAAAAAAAAAAAAAAAAAAAAAAAAAAAAAAAAAAAAAAAAAAAAAAAAAAAAAAAAAAAAAAAAAAAAAAAAAAAAAAAAAAAAAAAAAAAAAAAAAAAAAAAAAAAAAAAAAAAAAAAAAAAAAAAAAAAAAAAAAAAAAAAAAAAAAAAAAAAAAAAAAAAAAAAAAAAAAAAAAAAAAAAAAAAAAAAAAAAAAAAAAAAAAAAAAAAAAAAAAAAAAAAAAAAAAAAAAAAAAAAAAAAAAAAAAAAAAAAAAAAAAAAAAAAAAAAAAAAAAAAAAAAAAAAAAAAAAAAAAAAAAAAAAAAAAAAAAAAAAAAAAAAAAAAAAAAAAAAAAAAAAAAAAAAAAAAAAAAAAAAAAAAAAAAAAAAAAAAAAAAAAAAAAAAAAAAAAAAAAAAAAAAAAAAAAAAAAAAAAAAAAAAAAAAAAAAAAAAAAAAAAAAAAAAAAAAAAAAAAAAAAAAAAAAAAAAAAAAAAAAAAAAAAAAAAAAAAAAAAAAAAAAAAAAAAAAAAAAAAAAAAAAAAAAAAAAAAAAAAAAAAAAAAAAAAAAAAAAAAAAAAAAAAAAAAAAAAAAAAAAAAAAAAAAAAAAAAAAAAAAAAAAAAAAAAAAAAAAAAAAAAAAAAAAAAAAAAAAAAAAAAAAAAAAAAAAAAAAAAAAAAAAAAAAAAAAAAAAAAAAAAAAAAAAAAAAAAAAAAAAAAAAAAAAAAAAAAAAAAAAAAAAAAAAAAAAAAAAAAAAAAAAAAAAAAAAAAAAAAAAAAAAAAAAAAAAAAAAAAAAAAAAAAAAAAAAAAAAAAAAAAAAAAAAAAAAAAAAAAAAAAAAAAAAAAAAAAAAAAAAAAAAAAAAAAAAAAAAAAAAAAAAAAAAAAAAAAAAAAAAAAAAAAAAAAAAAAAAAAAAAAAAAAAAAAAAAAAAAAAAAAAAAAAAAAAAAAAAAAAAAAAAAAAAAAAAAAAAAAAAAAAAAAAAAAAAAAAAAAAAAAAAAAAAAAAAAAAAAAAAAAAAAAAAAAAAAAAAAAAAAAAAAAAAAAAAAAAAAAAAAAAAAAAAAAAAAAAAAAAAAAAAAAAAAAAAAAAAAAAAAAAAAAAAAAAAAAAAAAAAAAAAAAAAAAAAAAAAAAAAAAAAAAAAAAAAAAAAAAAAAAAAAAAAAAAAAAAAAAAAAAAAAAAAAAAAAAAAAAAAAAAAAAAAAAAAAAAAAAAAAAAAAAAAAAAAAAAAAAAAAAAAAAAAAAAAAAAAAAAAAAAAAAAAAAAAAAAAAAAAAAAAAAAAAAAAAAAAAAAAAAAAAAAAAAAAAAAAAAAAAAAAAAAAAAAAAAAAAAAAAAAAAAAAAAAAAAAAAAAAAAAAAAAAAAAAAAAAAAAAAAAAAAAAAAAAAAAAAAAAAAAAAAAAAAAAAAAAAAAAAAAAAAAAAAAAAAAAAAAAAAAAAAAAAAAAAAAAAAAAAAAAAAAAAAAAAAAAAAAAAAAAAAAAAAAAAAAAAAAAAAAAAAAAAAAAAAAAAAAAAAAAAAAAAAAAAAAAAAAAAAAAAAAAAAAAAAAAAAAAAAAAAAAAAAAAAAAAAAAAAAAAAAAAAAAAAAAAAAAAAAAAAAAAAAAAAAAAAAAAAAAAAAAAAAAAAAAAAAAAAAAAAAAAAAAAAAAAAAAAAAAAAAAAAAAAAAAAAAAAAAAAAAAAAAAAAAAAAAAAAAAAAAAAAAAAAAAAAAAAAAAAAAAAAAAAAAAAAAAAAAAAAAAAAAAAAAAAAAAAAAAAAAAAAAAAAAAAAAAAAAAAAAAAAAAAAAAAAAAAAAAAAAAAAAAAAAAAAAAAAAAAAAAAAAAAAAAAAAAAAAAAAAAAAAAAAAAAAAAAAAAAAAAAAAAAAAAAAAAAAAAAAAAAAAAAAAAAAAAAAAAAAAAAAAAAAAAAAAAAAAAAAAAAAAAAAAAAAAAAAAAAAAAAAAAAAAAAAAAAAAAAAAAAAAAAAAAAAAAAAAAAAAAAAAAAAAAAAAAAAAAAAAAAAAAAAAAAAAAAAAAAAAAAAAAAAAAAAAAAAAAAAAAAAAAAAAAAAAAAAAAAAAAAAAAAAAAAAAAAAAAAAAAAAAAAAAAAAAAAAAAAAAAAAAAAAAAAAAAAAAAAAAAAAAAAAAAAAAAAAAAAAAAAAAAAAAAAAAAAAAAAAAAAAAAAAAAAAAAAAAAAAAAAAAAAAAAAAAAAAAAAAAAAAAAAAAAAAAAAAAAAAAAAAAAAAAAAAAAAAAAAAAAAAAAAAAAAAAAAAAAAAAAAAAAAAAAAAAAAAAAAAAAAAAAAAAAAAAAAAAAAAAAAAAAAAAAAAAAAAAAAAAAAAAAAAAAAAAAAAAAAAAAAAAAAAAAAAAAAAAAAAAAAAAAAAAAAAAAAAAAAAAAAAAAAAAAAAAAAAAAAAAAAAAAAAAAAAAAAAAAAAAAAAAAAAAAAAAAAAAAAAAAAAAAAAAAAAAAAAAAAAAAAAAAAAAAAAAAAAAAAAAAAAAAAAAAAAAAAAAAAAAAAAAAAAAAAAAAAAAAAAAAAAAAAAAAAAAAAAAAAAAAAAAAAAAAAAAAAAAAAAAAAAAAAAAAAAAAAAAAAAAAAAAAAAAAAAAAAAAAAAAAAAAAAAAAAAAAAAAAAAAAAAAAAAAAAAAAAAAAAAAAAAAAAAAAAAAAAAAAAAAAAAAAAAAAAAAAAAAAAAAAAAAAAAAAAAAAAAAAAAAAAAAAAAAAAAAAAAAAAAAAAAAAAAAAAAAAAAAAAAAAAAAAAAAAAAAAAAAAAAAAAAAAAAAAAAAAAAAAAASAENPTVBBVF9EVVBMRVhfTU9ERRMARHVwbGV4TW9kZTo6VW5rbm93bgwAUFJJTlRFUl9OQU1FFgBNaWNyb3NvZnQgUHJpbnQgdG8gUERGCwBEUklWRVJfTkFNRRYATWljcm9zb2Z0IFByaW50IFRvIFBERg==</config:config-item>
+      <config:config-item config:name="DefaultTabStop" config:type="int">1250</config:config-item>
+      <config:config-item config:name="ImagePreferredDPI" config:type="int">0</config:config-item>
+      <config:config-item config:name="PrinterName" config:type="string">Microsoft Print to PDF</config:config-item>
+      <config:config-item config:name="PrinterSetup" config:type="base64Binary">ZBb+/01pY3Jvc29mdCBQcmludCB0byBQREYAAAAAAAAAAAAAAAAAAAAAAAAAAAAAAAAAAAAAAAAAAAAAAAAAAAAAAAAAAAAAAAAAAAAAAAAAAAAAAAAAAAAAAAAAAAAAAAAAAAAAAAAAAAAAAAAAAAAAAAAAAAAAAAAAAAAAAAAAAAAATWljcm9zb2Z0IFByaW50IFRvIFBERgAAAAAAAAAAAAAWAAEANhUAAAAAAAAEAAhSAAAEdAAAM1ROVwAAAAAKAE0AaQBjAHIAbwBzAG8AZgB0ACAAUAByAGkAbgB0ACAAdABvACAAUABEAEYAAAAAAAAAAAAAAAAAAAAAAAAAAAABBAMG3ABQFAMvAQABAAkAmgs0CGQAAQAPAFgCAgABAFgCAwABAEEANAAAAAAAAAAAAAAAAAAAAAAAAAAAAAAAAAAAAAAAAAAAAAAAAAAAAAAAAAAAAAAAAAAAAAAAAAAAAAAAAAAAAAAAAAAAAAAAAAAAAAEAAAAAAAAAAQAAAAIAAAABAAAA/////0dJUzQAAAAAAAAAAAAAAABESU5VIgDIACQDLBE/XXt+AAAAAAAAAAAAAAAAAAAAAAAAAAAAAAAAAAAAAAUAAAAAAAUAAQAAAAAAAAAAAAAAAAAAAAAAAAAAAAAAAAAAAAAAAAAAAAAAAAAAAAAAAAAAAAAAAAAAAAAAAAAAAAAAAAAAAAAAAAAAAAAAAAAAAAAAAAAAAAAAAAAAAAAAAAAAAAAAAAAAAAAAAAAAAAAAAAAAAAAAAAAAAAAAAAAAAAAAAAAAAAAAAAAAAAAAAAAAAAAAAAAAAAAAAAAAAAAAAAAAAAAAAAAAAAAAAAAAAAAAAAAAAAAAAAAAAAAAAAAAAAAAAAAAAAAAAAAAAAAAAAAAAAAAAAAAAAAAAAAAAAAAAAAAAAAAAAAAAAAAAAAAAAAAAAAAAAAAAAAAAAAAAAAAAAAAAAAAAAAAAAAAAAAAAAAAAAAAAAAAAAAAAAAAAAAAAAAAAAAAAAAAAAAAAAAAAAAAAAAAAAAAAAAAAAAAAAAAAAAAAAAAAAAAAAAAAAAAAAAAAAAAAAAAAAAAAAAAAAAAAAAAAAAAAAAAAAAAAAAAAAAAAAAAAAAAAAAAAAAAAAAAAAAAAAAAAAAAAAAAAAAAAAAAAAAAAAAAAAAAAAAAAAAAAAAAAAAAAAAAAAAAAAAAAAAAAAAAAAAAAAAAAAAAAAAAAAAAAAAAAAAAAAAAAAAAAAAAAAAAAAAAAAAAAAAAAAAAAAAAAAAAAAAAAAAAAAAAAAAAAAAAAAEAAAAAAAAAAAAAAAAAAAAAAAAAAAAAAAAAAAAAAAAAAAAAAAAAAAAAAAAAyAAAAFNNVEoAAAAAEAC4AHsAMAA4ADQARgAwADEARgBBAC0ARQA2ADMANAAtADQARAA3ADcALQA4ADMARQBFAC0AMAA3ADQAOAAxADcAQwAwADMANQA4ADEAfQAAAFJFU0RMTABVbmlyZXNETEwAUGFwZXJTaXplAEE0AE9yaWVudGF0aW9uAFBPUlRSQUlUAFJlc29sdXRpb24AUmVzT3B0aW9uMQBDb2xvck1vZGUAQ29sb3IAAAAAAAAAAAAAAAAAAAAAAAAsEQAAVjRETQEAAAAAAAAAnApwIhwAAADsAAAAAwAAAPoBTwg05ndNg+4HSBfANYHQAAAATAAAAAMAAAAACAAAAAAAAAAAAAADAAAAAAgAACoAAAAACAAAAwAAAEAAAABWAAAAABAAAEQAbwBjAHUAbQBlAG4AdABVAHMAZQByAFAAYQBzAHMAdwBvAHIAZAAAAEQAbwBjAHUAbQBlAG4AdABPAHcAbgBlAHIAUABhAHMAcwB3AG8AcgBkAAAARABvAGMAdQBtAGUAbgB0AEMAcgB5AHAAdABTAGUAYwB1AHIAaQB0AHkAAAAAAAAAAAAAAAAAAAAAAAAAAAAAAAAAAAAAAAAAAAAAAAAAAAAAAAAAAAAAAAAAAAAAAAAAAAAAAAAAAAAAAAAAAAAAAAAAAAAAAAAAAAAAAAAAAAAAAAAAAAAAAAAAAAAAAAAAAAAAAAAAAAAAAAAAAAAAAAAAAAAAAAAAAAAAAAAAAAAAAAAAAAAAAAAAAAAAAAAAAAAAAAAAAAAAAAAAAAAAAAAAAAAAAAAAAAAAAAAAAAAAAAAAAAAAAAAAAAAAAAAAAAAAAAAAAAAAAAAAAAAAAAAAAAAAAAAAAAAAAAAAAAAAAAAAAAAAAAAAAAAAAAAAAAAAAAAAAAAAAAAAAAAAAAAAAAAAAAAAAAAAAAAAAAAAAAAAAAAAAAAAAAAAAAAAAAAAAAAAAAAAAAAAAAAAAAAAAAAAAAAAAAAAAAAAAAAAAAAAAAAAAAAAAAAAAAAAAAAAAAAAAAAAAAAAAAAAAAAAAAAAAAAAAAAAAAAAAAAAAAAAAAAAAAAAAAAAAAAAAAAAAAAAAAAAAAAAAAAAAAAAAAAAAAAAAAAAAAAAAAAAAAAAAAAAAAAAAAAAAAAAAAAAAAAAAAAAAAAAAAAAAAAAAAAAAAAAAAAAAAAAAAAAAAAAAAAAAAAAAAAAAAAAAAAAAAAAAAAAAAAAAAAAAAAAAAAAAAAAAAAAAAAAAAAAAAAAAAAAAAAAAAAAAAAAAAAAAAAAAAAAAAAAAAAAAAAAAAAAAAAAAAAAAAAAAAAAAAAAAAAAAAAAAAAAAAAAAAAAAAAAAAAAAAAAAAAAAAAAAAAAAAAAAAAAAAAAAAAAAAAAAAAAAAAAAAAAAAAAAAAAAAAAAAAAAAAAAAAAAAAAAAAAAAAAAAAAAAAAAAAAAAAAAAAAAAAAAAAAAAAAAAAAAAAAAAAAAAAAAAAAAAAAAAAAAAAAAAAAAAAAAAAAAAAAAAAAAAAAAAAAAAAAAAAAAAAAAAAAAAAAAAAAAAAAAAAAAAAAAAAAAAAAAAAAAAAAAAAAAAAAAAAAAAAAAAAAAAAAAAAAAAAAAAAAAAAAAAAAAAAAAAAAAAAAAAAAAAAAAAAAAAAAAAAAAAAAAAAAAAAAAAAAAAAAAAAAAAAAAAAAAAAAAAAAAAAAAAAAAAAAAAAAAAAAAAAAAAAAAAAAAAAAAAAAAAAAAAAAAAAAAAAAAAAAAAAAAAAAAAAAAAAAAAAAAAAAAAAAAAAAAAAAAAAAAAAAAAAAAAAAAAAAAAAAAAAAAAAAAAAAAAAAAAAAAAAAAAAAAAAAAAAAAAAAAAAAAAAAAAAAAAAAAAAAAAAAAAAAAAAAAAAAAAAAAAAAAAAAAAAAAAAAAAAAAAAAAAAAAAAAAAAAAAAAAAAAAAAAAAAAAAAAAAAAAAAAAAAAAAAAAAAAAAAAAAAAAAAAAAAAAAAAAAAAAAAAAAAAAAAAAAAAAAAAAAAAAAAAAAAAAAAAAAAAAAAAAAAAAAAAAAAAAAAAAAAAAAAAAAAAAAAAAAAAAAAAAAAAAAAAAAAAAAAAAAAAAAAAAAAAAAAAAAAAAAAAAAAAAAAAAAAAAAAAAAAAAAAAAAAAAAAAAAAAAAAAAAAAAAAAAAAAAAAAAAAAAAAAAAAAAAAAAAAAAAAAAAAAAAAAAAAAAAAAAAAAAAAAAAAAAAAAAAAAAAAAAAAAAAAAAAAAAAAAAAAAAAAAAAAAAAAAAAAAAAAAAAAAAAAAAAAAAAAAAAAAAAAAAAAAAAAAAAAAAAAAAAAAAAAAAAAAAAAAAAAAAAAAAAAAAAAAAAAAAAAAAAAAAAAAAAAAAAAAAAAAAAAAAAAAAAAAAAAAAAAAAAAAAAAAAAAAAAAAAAAAAAAAAAAAAAAAAAAAAAAAAAAAAAAAAAAAAAAAAAAAAAAAAAAAAAAAAAAAAAAAAAAAAAAAAAAAAAAAAAAAAAAAAAAAAAAAAAAAAAAAAAAAAAAAAAAAAAAAAAAAAAAAAAAAAAAAAAAAAAAAAAAAAAAAAAAAAAAAAAAAAAAAAAAAAAAAAAAAAAAAAAAAAAAAAAAAAAAAAAAAAAAAAAAAAAAAAAAAAAAAAAAAAAAAAAAAAAAAAAAAAAAAAAAAAAAAAAAAAAAAAAAAAAAAAAAAAAAAAAAAAAAAAAAAAAAAAAAAAAAAAAAAAAAAAAAAAAAAAAAAAAAAAAAAAAAAAAAAAAAAAAAAAAAAAAAAAAAAAAAAAAAAAAAAAAAAAAAAAAAAAAAAAAAAAAAAAAAAAAAAAAAAAAAAAAAAAAAAAAAAAAAAAAAAAAAAAAAAAAAAAAAAAAAAAAAAAAAAAAAAAAAAAAAAAAAAAAAAAAAAAAAAAAAAAAAAAAAAAAAAAAAAAAAAAAAAAAAAAAAAAAAAAAAAAAAAAAAAAAAAAAAAAAAAAAAAAAAAAAAAAAAAAAAAAAAAAAAAAAAAAAAAAAAAAAAAAAAAAAAAAAAAAAAAAAAAAAAAAAAAAAAAAAAAAAAAAAAAAAAAAAAAAAAAAAAAAAAAAAAAAAAAAAAAAAAAAAAAAAAAAAAAAAAAAAAAAAAAAAAAAAAAAAAAAAAAAAAAAAAAAAAAAAAAAAAAAAAAAAAAAAAAAAAAAAAAAAAAAAAAAAAAAAAAAAAAAAAAAAAAAAAAAAAAAAAAAAAAAAAAAAAAAAAAAAAAAAAAAAAAAAAAAAAAAAAAAAAAAAAAAAAAAAAAAAAAAAAAAAAAAAAAAAAAAAAAAAAAAAAAAAAAAAAAAAAAAAAAAAAAAAAAAAAAAAAAAAAAAAAAAAAAAAAAAAAAAAAAAAAAAAAAAAAAAAAAAAAAAAAAAAAAAAAAAAAAAAAAAAAAAAAAAAAAAAAAAAAAAAAAAAAAAAAAAAAAAAAAAAAAAAAAAAAAAAAAAAAAAAAAAAAAAAAAAAAAAAAAAAAAAAAAAAAAAAAAAAAAAAAAAAAAAAAAAAAAAAAAAAAAAAAAAAAAAAAAAAAAAAAAAAAAAAAAAAAAAAAAAAAAAAAAAAAAAAAAAAAAAAAAAAAAAAAAAAAAAAAAAAAAAAAAAAAAAAAAAAAAAAAAAAAAAAAAAAAAAAAAAAAAAAAAAAAAAAAAAAAAAAAAAAAAAAAAAAAAAAAAAAAAAAAAAAAAAAAAAAAAAAAAAAAAAAAAAAAAAAAAAAAAAAAAAAAAAAAAAAAAAAAAAAAAAAAAAAAAAAAAAAAAAAAAAAAAAAAAAAAAAAAAAAAAAAAAAAAAAAAAAAAAAAAAAAAAAAAAAAAAAAAAAAAAAAAAAAAAAAAAAAAAAAAAAAAAAAAAAAAAAAAAAAAAAAAAAAAAAAAAAAAAAAAAAAAAAAAAAAAAAAAAAAAAAAAAAAAAAAAAAAAAAAAAAAAAAAAAAAAAAAAAAAAAAAAAAAAAAAAAAAAAAAAAAAAAAAAAAAAAAAAAAAAAAAAAAAAAAAAAAAAAAAAAAAAAAAAAAAAAAAAAAAAAAAAAAAAAAAAAAAAAAAAAAAAAAAAAAAAAAAAAAAAAAAAAAAAAAAAAAAAAAAAAAAAAAAAAAAAAAAAAAAAAAAAAAAAAAAAAAAAAAAAAAAAAAAAAAAAAAAAAAAAAAAAAAAAAAAAAAAAAAAAAAAAAAAAAAAAAAAAAAAAAAAAAAAAAAAAAAAAAAAAAAAAAAAAAAAAAAAAAAAAAAAAAAAAAAAAAAAAAAAAAAAAAAAAAAAAAAAAAAAAAAAAAAAAAAAAAAAAAAAAAAAAAAAAAAAAAAAAAAAAAAAAAAAAAAAAAAAAAAAAAAAAAAAAAAAAAAAAAAAAAAAAAAAAAAAAAAAAAAAAAAAAAAAAAAAAAAAAAAAAAAAAAAAAAAAAAAAAAAAAAAAAAAAAAAAAAAAAAAAAAAAAAAAAAAAAAAAAAAAAAAAAAAAAAAAAAAAAAAAAAAAAAAAAAAAAAAAAAAAAAAAAAAAAAAAAAAAAAAAAAAAAAAAAAAAAAAAAAAAAAAAAAAAAAAAAAAAAAAAAAAAAAAAAAAAAAAAAAAAAAAAAAAAAAAAAAAAAAAAAAAAAAAAAAAAAAAAAAAAAAAAAAAAAAAAAAAAAAAAAAAAAAAAAAAAAAAAAAAAAAAAAAAAAAAAAAAAAAAAAAAAAAAAAAAAAAAAAAAAAAAAAAAAAAAAAAAAAAAAAAAAAAAAAAAAAAAAAAAAAAAAAAAAAAAAAAAAAAAAAAAAAAAAAAAAAAAAAAAAAAAAAAAAAAAAAAAAAAAAAAAAAAAAAAAAAAAAAAAAAAAAAAAAAAAAAAAAAAAAAAAAAAAAAAAAAAAAAAAAAAAAAAAAAAAAAAAAAAAAAAAAAAAAAAAAAAAAAAAAAAAAAAAAAAAAAAAAAAAAAAAAAAAAAAAAAAAAAAAAAAAAAAAAAAAAAAAAAAAAAAAAAAAAAAAAAAAAAAAAAAAAAAAAAAAAAAAAAAAAAAAAAAAAAAAAAAAAAAAAAAAAAAAAAAAAAAAAAAAAAAAAAAAAAAAAAAAAAAAAAAAAAAAAAAAAAAAAAAAAAAAAAAAAAAAAAAAAAAAAAAAAAAAAAAAAAAAAAAAAAAAAAAAAAAAAAAAAAAAAAAAAAAAAAAAAAAAAAAAAAAAAAAAAAAAAAAAAAAAAAAAAAAAAAAAAAAAAAAAAAAAAAAAAAAAAAAAAAAAAAAAAAAAAAAAAAAAAAAAAAAAAAAAAAAAAAAAAAAAAAAAAAAAAAAAAAAAAAAAAAAAAAAAAAAAAAAAAAAAAAAAAAAAAAAAAAAAAAAAAAAAAAAAAAAAAAAAAAAAAAAAAAAAAAAAAAAAAAAAAAAAAAAAAAAAAAAAAAAAAAAAAAAAAAAAAAAAAAAAAAAAAAAAAAAAAAAAAAAAAAAAAAAAAAAAAAAAAAAAAAAAAAAAAAAAAAAAAAAAAAAAAAAAAAAAAAAAAAAAAAAAAAAAAAAAAAAAAAAAAAAAAAAAAAAAAAAAAAAAAAAAAAAAAAAAAAAAAAAAAAAAAAAAAAAAAAAAAAAAAAAAAAAAAAAAAAAAAAAAAAAAAAAAAAAAAAAAAAAAAAAAAAAAAAAAAAAAAAAAAAAAAAAAAAAAAAAAAAAAAAAAAAAAAAAAAAAAAAAAAAAAAAAAAAAAAAAAAAAAAAAAAAAAAAAAAAAAAAAAAAAAAAAAAAAAAAAAAAAAAAAAAAAAAAAAAAAAAAAAAAAAAAAAAAAAAAAAAAAAAAAAAAAAAAAAAAAAAAAAAAAAAAAAAAAAAAAAAAAAAAAAAAAAAAAAAAAAAAAAAAAAAAAAAAAAAAAAAAAAAAAAAAAAAAAAAAAAAAAAAAAAAAAAAAAAAAAAAAAAAAAAAAAAAAAAAAAAAAAAAAAAAAAAAAAAAAAAAAAAAAAAAAAAAAAAAAAAAAAAAAAAAAAAAAAAAAAAAAAAAAAAAAAAAAAAAAAAAAAAAAAAAAAAAAAAAAAAAAAAAAAAAAAAAAAAAAAAAAAAAAAAAAAAAAAAAAAAAAAAAAAAAAAAAAAAAAAAAAAAAAAAAAAAAAAAAAAAAAAAAAAAAAAAAAAAAAAAAAAAAAAAAAAAAAAAAAAAAAAAAAAAAAAAAAAAAAAEgBDT01QQVRfRFVQTEVYX01PREUTAER1cGxleE1vZGU6OlVua25vd24MAFBSSU5URVJfTkFNRRYATWljcm9zb2Z0IFByaW50IHRvIFBERgsARFJJVkVSX05BTUUWAE1pY3Jvc29mdCBQcmludCBUbyBQREY=</config:config-item>
+      <config:config-item config:name="IsPrintHandout" config:type="boolean">false</config:config-item>
       <config:config-item config:name="PrinterPaperFromSetup" config:type="boolean">false</config:config-item>
       <config:config-item config:name="IsPrintPageName" config:type="boolean">false</config:config-item>
       <config:config-item config:name="IsPrintDate" config:type="boolean">false</config:config-item>
-      <config:config-item config:name="BitmapTableURL" config:type="string">$(inst)/share/palette%3B$(user)/config/standard.sob</config:config-item>
+      <config:config-item config:name="IsPrintTilePage" config:type="boolean">false</config:config-item>
       <config:config-item config:name="IsPrintTime" config:type="boolean">false</config:config-item>
-      <config:config-item config:name="ImagePreferredDPI" config:type="int">0</config:config-item>
-      <config:config-item config:name="CharacterCompressionType" config:type="short">0</config:config-item>
       <config:config-item config:name="IsPrintHiddenPages" config:type="boolean">true</config:config-item>
+      <config:config-item config:name="IsPrintDrawing" config:type="boolean">true</config:config-item>
       <config:config-item config:name="IsPrintFitPage" config:type="boolean">false</config:config-item>
-      <config:config-item config:name="IsPrintTilePage" config:type="boolean">false</config:config-item>
-      <config:config-item config:name="SaveThumbnail" config:type="boolean">true</config:config-item>
+      <config:config-item config:name="EmbedComplexScriptFonts" config:type="boolean">true</config:config-item>
       <config:config-item config:name="IsPrintBooklet" config:type="boolean">false</config:config-item>
+      <config:config-item config:name="EmbedLatinScriptFonts" config:type="boolean">true</config:config-item>
       <config:config-item config:name="IsPrintBookletFront" config:type="boolean">true</config:config-item>
+      <config:config-item config:name="IsPrintBookletBack" config:type="boolean">true</config:config-item>
       <config:config-item config:name="PrintQuality" config:type="int">0</config:config-item>
-      <config:config-item config:name="ColorTableURL" config:type="string">$(inst)/share/palette%3B$(user)/config/standard.soc</config:config-item>
       <config:config-item config:name="DashTableURL" config:type="string">$(inst)/share/palette%3B$(user)/config/standard.sod</config:config-item>
+      <config:config-item config:name="ColorTableURL" config:type="string">$(inst)/share/palette%3B$(user)/config/%D0%A1%D1%82%D0%B0%D0%BD%D0%B4%D0%B0%D1%80%D1%82%D0%BD%D0%B0%D1%8F.soc</config:config-item>
+      <config:config-item config:name="ParagraphSummation" config:type="boolean">false</config:config-item>
       <config:config-item config:name="LineEndTableURL" config:type="string">$(inst)/share/palette%3B$(user)/config/standard.soe</config:config-item>
       <config:config-item config:name="HatchTableURL" config:type="string">$(inst)/share/palette%3B$(user)/config/standard.soh</config:config-item>
+      <config:config-item config:name="UpdateFromTemplate" config:type="boolean">true</config:config-item>
       <config:config-item config:name="GradientTableURL" config:type="string">$(inst)/share/palette%3B$(user)/config/standard.sog</config:config-item>
+      <config:config-item config:name="IsPrintNotes" config:type="boolean">false</config:config-item>
+      <config:config-item config:name="BitmapTableURL" config:type="string">$(inst)/share/palette%3B$(user)/config/standard.sob</config:config-item>
       <config:config-item config:name="ApplyUserData" config:type="boolean">true</config:config-item>
+      <config:config-item config:name="SaveThumbnail" config:type="boolean">true</config:config-item>
       <config:config-item config:name="PageNumberFormat" config:type="int">4</config:config-item>
-      <config:config-item config:name="ParagraphSummation" config:type="boolean">false</config:config-item>
+      <config:config-item config:name="CharacterCompressionType" config:type="short">0</config:config-item>
       <config:config-item config:name="IsKernAsianPunctuation" config:type="boolean">false</config:config-item>
-      <config:config-item config:name="UpdateFromTemplate" config:type="boolean">true</config:config-item>
       <config:config-item config:name="PrinterIndependentLayout" config:type="string">low-resolution</config:config-item>
       <config:config-item config:name="LoadReadonly" config:type="boolean">false</config:config-item>
       <config:config-item config:name="SaveVersionOnClose" config:type="boolean">false</config:config-item>
       <config:config-item config:name="EmbedFonts" config:type="boolean">false</config:config-item>
-      <config:config-item config:name="EmbedComplexScriptFonts" config:type="boolean">true</config:config-item>
       <config:config-item config:name="EmbedOnlyUsedFonts" config:type="boolean">false</config:config-item>
-      <config:config-item config:name="EmbedLatinScriptFonts" config:type="boolean">true</config:config-item>
       <config:config-item config:name="EmbedAsianScriptFonts" config:type="boolean">true</config:config-item>
-      <config:config-item config:name="IsPrintDrawing" config:type="boolean">true</config:config-item>
-      <config:config-item config:name="IsPrintNotes" config:type="boolean">false</config:config-item>
-      <config:config-item config:name="IsPrintHandout" config:type="boolean">false</config:config-item>
       <config:config-item config:name="IsPrintOutline" config:type="boolean">false</config:config-item>
       <config:config-item config:name="SlidesPerHandout" config:type="short">6</config:config-item>
       <config:config-item config:name="HandoutsHorizontal" config:type="boolean">true</config:config-item>
@@ -869,28 +1037,22 @@
 </file>
 
 <file path=styles.xml><?xml version="1.0" encoding="utf-8"?>
-<office:document-styles xmlns:office="urn:oasis:names:tc:opendocument:xmlns:office:1.0" xmlns:ooo="http://openoffice.org/2004/office" xmlns:fo="urn:oasis:names:tc:opendocument:xmlns:xsl-fo-compatible:1.0" xmlns:xlink="http://www.w3.org/1999/xlink" xmlns:dc="http://purl.org/dc/elements/1.1/" xmlns:meta="urn:oasis:names:tc:opendocument:xmlns:meta:1.0" xmlns:style="urn:oasis:names:tc:opendocument:xmlns:style:1.0" xmlns:text="urn:oasis:names:tc:opendocument:xmlns:text:1.0" xmlns:rpt="http://openoffice.org/2005/report" xmlns:draw="urn:oasis:names:tc:opendocument:xmlns:drawing:1.0" xmlns:dr3d="urn:oasis:names:tc:opendocument:xmlns:dr3d:1.0" xmlns:svg="urn:oasis:names:tc:opendocument:xmlns:svg-compatible:1.0" xmlns:chart="urn:oasis:names:tc:opendocument:xmlns:chart:1.0" xmlns:table="urn:oasis:names:tc:opendocument:xmlns:table:1.0" xmlns:number="urn:oasis:names:tc:opendocument:xmlns:datastyle:1.0" xmlns:ooow="http://openoffice.org/2004/writer" xmlns:oooc="http://openoffice.org/2004/calc" xmlns:css3t="http://www.w3.org/TR/css3-text/" xmlns:of="urn:oasis:names:tc:opendocument:xmlns:of:1.2" xmlns:tableooo="http://openoffice.org/2009/table" xmlns:calcext="urn:org:documentfoundation:names:experimental:calc:xmlns:calcext:1.0" xmlns:drawooo="http://openoffice.org/2010/draw" xmlns:xhtml="http://www.w3.org/1999/xhtml" xmlns:loext="urn:org:documentfoundation:names:experimental:office:xmlns:loext:1.0" xmlns:grddl="http://www.w3.org/2003/g/data-view#" xmlns:field="urn:openoffice:names:experimental:ooo-ms-interop:xmlns:field:1.0" xmlns:math="http://www.w3.org/1998/Math/MathML" xmlns:form="urn:oasis:names:tc:opendocument:xmlns:form:1.0" xmlns:script="urn:oasis:names:tc:opendocument:xmlns:script:1.0" xmlns:dom="http://www.w3.org/2001/xml-events" xmlns:presentation="urn:oasis:names:tc:opendocument:xmlns:presentation:1.0" xmlns:smil="urn:oasis:names:tc:opendocument:xmlns:smil-compatible:1.0" xmlns:anim="urn:oasis:names:tc:opendocument:xmlns:animation:1.0" xmlns:officeooo="http://openoffice.org/2009/office" office:version="1.3">
+<office:document-styles xmlns:office="urn:oasis:names:tc:opendocument:xmlns:office:1.0" xmlns:ooo="http://openoffice.org/2004/office" xmlns:fo="urn:oasis:names:tc:opendocument:xmlns:xsl-fo-compatible:1.0" xmlns:xlink="http://www.w3.org/1999/xlink" xmlns:dc="http://purl.org/dc/elements/1.1/" xmlns:meta="urn:oasis:names:tc:opendocument:xmlns:meta:1.0" xmlns:style="urn:oasis:names:tc:opendocument:xmlns:style:1.0" xmlns:text="urn:oasis:names:tc:opendocument:xmlns:text:1.0" xmlns:rpt="http://openoffice.org/2005/report" xmlns:draw="urn:oasis:names:tc:opendocument:xmlns:drawing:1.0" xmlns:dr3d="urn:oasis:names:tc:opendocument:xmlns:dr3d:1.0" xmlns:svg="urn:oasis:names:tc:opendocument:xmlns:svg-compatible:1.0" xmlns:chart="urn:oasis:names:tc:opendocument:xmlns:chart:1.0" xmlns:table="urn:oasis:names:tc:opendocument:xmlns:table:1.0" xmlns:number="urn:oasis:names:tc:opendocument:xmlns:datastyle:1.0" xmlns:ooow="http://openoffice.org/2004/writer" xmlns:oooc="http://openoffice.org/2004/calc" xmlns:css3t="http://www.w3.org/TR/css3-text/" xmlns:of="urn:oasis:names:tc:opendocument:xmlns:of:1.2" xmlns:tableooo="http://openoffice.org/2009/table" xmlns:calcext="urn:org:documentfoundation:names:experimental:calc:xmlns:calcext:1.0" xmlns:drawooo="http://openoffice.org/2010/draw" xmlns:xhtml="http://www.w3.org/1999/xhtml" xmlns:loext="urn:org:documentfoundation:names:experimental:office:xmlns:loext:1.0" xmlns:grddl="http://www.w3.org/2003/g/data-view#" xmlns:field="urn:openoffice:names:experimental:ooo-ms-interop:xmlns:field:1.0" xmlns:math="http://www.w3.org/1998/Math/MathML" xmlns:form="urn:oasis:names:tc:opendocument:xmlns:form:1.0" xmlns:script="urn:oasis:names:tc:opendocument:xmlns:script:1.0" xmlns:dom="http://www.w3.org/2001/xml-events" xmlns:presentation="urn:oasis:names:tc:opendocument:xmlns:presentation:1.0" xmlns:smil="urn:oasis:names:tc:opendocument:xmlns:smil-compatible:1.0" xmlns:anim="urn:oasis:names:tc:opendocument:xmlns:animation:1.0" xmlns:officeooo="http://openoffice.org/2009/office" office:version="1.4">
   <office:font-face-decls>
+    <style:font-face style:name="Arial" svg:font-family="Arial" style:font-family-generic="system" style:font-pitch="variable"/>
     <style:font-face style:name="Avenir Next LT Pro Light" svg:font-family="'Avenir Next LT Pro Light'"/>
     <style:font-face style:name="Calibri Light" svg:font-family="'Calibri Light'"/>
     <style:font-face style:name="Droid Sans Fallback" svg:font-family="'Droid Sans Fallback'"/>
     <style:font-face style:name="Liberation Sans" svg:font-family="'Liberation Sans'" style:font-family-generic="roman" style:font-pitch="variable"/>
-    <style:font-face style:name="Liberation Sans1" svg:font-family="'Liberation Sans'" style:font-family-generic="roman"/>
     <style:font-face style:name="Liberation Serif" svg:font-family="'Liberation Serif'"/>
     <style:font-face style:name="Lucida Sans" svg:font-family="'Lucida Sans'" style:font-family-generic="system" style:font-pitch="variable"/>
-    <style:font-face style:name="Lucida Sans1" svg:font-family="'Lucida Sans'" style:font-family-generic="system"/>
     <style:font-face style:name="Microsoft YaHei" svg:font-family="'Microsoft YaHei'" style:font-family-generic="system" style:font-pitch="variable"/>
-    <style:font-face style:name="Microsoft YaHei1" svg:font-family="'Microsoft YaHei'" style:font-family-generic="system"/>
     <style:font-face style:name="Noto Sans" svg:font-family="'Noto Sans'" style:font-family-generic="roman" style:font-pitch="variable"/>
-    <style:font-face style:name="Noto Sans1" svg:font-family="'Noto Sans'" style:font-family-generic="roman"/>
     <style:font-face style:name="Symbol" svg:font-family="Symbol" style:font-family-generic="roman" style:font-pitch="variable"/>
     <style:font-face style:name="Times New Roman" svg:font-family="'Times New Roman'" style:font-family-generic="roman" style:font-pitch="variable"/>
-    <style:font-face style:name="Times New Roman1" svg:font-family="'Times New Roman'" style:font-pitch="variable"/>
     <style:font-face style:name="XO Oriel" svg:font-family="'XO Oriel'" style:font-family-generic="roman" style:font-pitch="variable"/>
     <style:font-face style:name="XO Oriel1" svg:font-family="'XO Oriel'"/>
-    <style:font-face style:name="XO Oriel2" svg:font-family="'XO Oriel'" style:font-family-generic="roman"/>
-    <style:font-face style:name="XO Oriel3" svg:font-family="'XO Oriel'" style:font-pitch="variable"/>
-    <style:font-face style:name="XO Oriel4" svg:font-family="'XO Oriel'" style:font-family-generic="system"/>
+    <style:font-face style:name="XO Oriel2" svg:font-family="'XO Oriel'" style:font-pitch="variable"/>
   </office:font-face-decls>
   <office:styles>
     <draw:gradient draw:name="Заливка" draw:style="linear" draw:start-color="#ffffff" draw:end-color="#cccccc" draw:start-intensity="100%" draw:end-intensity="100%" draw:angle="30deg" draw:border="0%">
@@ -920,7 +1082,7 @@
     <draw:marker draw:name="Arrow" svg:viewBox="0 0 20 30" svg:d="M10 0l-10 30h20z"/>
     <style:default-style style:family="graphic">
       <style:graphic-properties svg:stroke-color="#3465a4" draw:fill-color="#729fcf" fo:wrap-option="no-wrap" style:writing-mode="lr-tb"/>
-      <style:paragraph-properties style:text-autospace="ideograph-alpha" style:punctuation-wrap="simple" style:line-break="strict" loext:tab-stop-distance="0cm" style:writing-mode="lr-tb" style:font-independent-line-spacing="false">
+      <style:paragraph-properties style:text-autospace="ideograph-alpha" style:punctuation-wrap="simple" style:line-break="strict" loext:tab-stop-distance="0cm" style:font-independent-line-spacing="false">
         <style:tab-stops/>
       </style:paragraph-properties>
       <style:text-properties style:use-window-font-color="true" loext:opacity="0%" style:font-name="XO Oriel1" fo:font-size="16pt" fo:language="ru" fo:country="RU" style:font-name-asian="XO Oriel1" style:font-size-asian="16pt" style:language-asian="zh" style:country-asian="CN" style:font-name-complex="XO Oriel1" style:font-size-complex="16pt" style:language-complex="hi" style:country-complex="IN"/>
@@ -971,12 +1133,12 @@
         </text:list-style>
       </style:graphic-properties>
       <style:paragraph-properties fo:margin-left="0cm" fo:margin-right="0cm" fo:margin-top="0cm" fo:margin-bottom="0cm" fo:line-height="100%" fo:text-indent="0cm"/>
-      <style:text-properties fo:font-variant="normal" fo:text-transform="none" style:use-window-font-color="true" loext:opacity="0%" style:text-outline="false" style:text-line-through-style="none" style:text-line-through-type="none" style:font-name="XO Oriel" fo:font-family="'XO Oriel'" style:font-family-generic="roman" style:font-pitch="variable" fo:font-size="28pt" fo:font-style="normal" fo:text-shadow="none" style:text-underline-style="none" fo:font-weight="normal" style:letter-kerning="true" style:font-name-asian="XO Oriel3" style:font-family-asian="'XO Oriel'" style:font-pitch-asian="variable" style:font-size-asian="28pt" style:font-style-asian="normal" style:font-weight-asian="normal" style:font-name-complex="XO Oriel3" style:font-family-complex="'XO Oriel'" style:font-pitch-complex="variable" style:font-size-complex="28pt" style:font-style-complex="normal" style:font-weight-complex="normal" style:text-emphasize="none" style:font-relief="none" style:text-overline-style="none" style:text-overline-color="font-color"/>
+      <style:text-properties fo:font-variant="normal" fo:text-transform="none" style:use-window-font-color="true" loext:opacity="0%" style:text-outline="false" style:text-line-through-style="none" style:text-line-through-type="none" style:font-name="XO Oriel" fo:font-family="'XO Oriel'" style:font-family-generic="roman" style:font-pitch="variable" fo:font-size="28pt" fo:font-style="normal" fo:text-shadow="none" style:text-underline-style="none" fo:font-weight="normal" style:letter-kerning="true" style:font-name-asian="XO Oriel2" style:font-family-asian="'XO Oriel'" style:font-pitch-asian="variable" style:font-size-asian="28pt" style:font-style-asian="normal" style:font-weight-asian="normal" style:font-name-complex="XO Oriel2" style:font-family-complex="'XO Oriel'" style:font-pitch-complex="variable" style:font-size-complex="28pt" style:font-style-complex="normal" style:font-weight-complex="normal" style:text-emphasize="none" style:font-relief="none" style:text-overline-style="none" style:text-overline-color="font-color"/>
     </style:style>
     <style:style style:name="objectwithoutfill" style:family="graphic" style:parent-style-name="standard">
       <style:graphic-properties svg:stroke-color="#000000" draw:fill="none"/>
     </style:style>
-    <style:style style:name="Объект_20_без_20_заливки_20_и_20_линий" style:display-name="Объект без заливки и линий" style:family="graphic" style:parent-style-name="standard">
+    <style:style style:name="Object_20_with_20_no_20_fill_20_and_20_no_20_line" style:display-name="Object with no fill and no line" style:family="graphic" style:parent-style-name="standard">
       <style:graphic-properties draw:stroke="none" draw:fill="none"/>
     </style:style>
     <style:style style:name="Text" style:family="graphic">
@@ -1068,6 +1230,25 @@
     <style:style style:name="Arrow_20_Dashed" style:display-name="Arrow Dashed" style:family="graphic" style:parent-style-name="Lines">
       <style:graphic-properties draw:stroke="dash"/>
     </style:style>
+    <style:style style:name="headline" style:family="graphic" style:parent-style-name="standard">
+      <style:graphic-properties draw:stroke="none" draw:fill="none"/>
+      <style:paragraph-properties fo:margin-top="0.42cm" fo:margin-bottom="0.21cm"/>
+      <style:text-properties fo:font-size="28pt"/>
+    </style:style>
+    <style:style style:name="headline1" style:family="graphic" style:parent-style-name="standard">
+      <style:graphic-properties draw:stroke="none" draw:fill="none"/>
+      <style:paragraph-properties fo:margin-top="0.42cm" fo:margin-bottom="0.21cm"/>
+      <style:text-properties fo:font-size="28pt" fo:font-weight="bold"/>
+    </style:style>
+    <style:style style:name="headline2" style:family="graphic" style:parent-style-name="standard">
+      <style:graphic-properties draw:stroke="none" draw:fill="none"/>
+      <style:paragraph-properties fo:margin-top="0.42cm" fo:margin-bottom="0.21cm"/>
+      <style:text-properties fo:font-size="28pt" fo:font-style="italic" fo:font-weight="bold"/>
+    </style:style>
+    <style:style style:name="measure" style:family="graphic" style:parent-style-name="standard">
+      <style:graphic-properties draw:stroke="solid" svg:stroke-color="#000000" draw:marker-start="Arrow" draw:marker-start-width="0.2cm" draw:marker-end="Arrow" draw:marker-end-width="0.2cm" draw:fill="none" draw:show-unit="true"/>
+      <style:text-properties fo:font-size="28pt"/>
+    </style:style>
     <style:style style:name="objectwitharrow" style:family="graphic" style:parent-style-name="standard">
       <style:graphic-properties draw:stroke="solid" svg:stroke-width="0.15cm" svg:stroke-color="#000000" draw:marker-start="Arrow" draw:marker-start-width="0.7cm" draw:marker-start-center="true" draw:marker-end-width="0.3cm"/>
     </style:style>
@@ -1081,13 +1262,13 @@
       <style:graphic-properties draw:stroke="none" draw:fill="none"/>
       <style:text-properties fo:font-size="28pt"/>
     </style:style>
+    <style:style style:name="textbodyindent" style:family="graphic" style:parent-style-name="standard">
+      <style:graphic-properties draw:stroke="none" draw:fill="none"/>
+      <style:paragraph-properties fo:margin-left="0cm" fo:margin-right="0cm" fo:text-indent="0.6cm"/>
+    </style:style>
     <style:style style:name="textbodyjustfied" style:family="graphic" style:parent-style-name="standard">
       <style:graphic-properties draw:stroke="none" draw:fill="none"/>
       <style:paragraph-properties fo:text-align="justify"/>
-    </style:style>
-    <style:style style:name="textbodyindent" style:family="graphic" style:parent-style-name="standard">
-      <style:graphic-properties draw:stroke="none" draw:fill="none"/>
-      <style:paragraph-properties fo:margin-left="0cm" fo:margin-right="0cm" fo:text-indent="0.6cm"/>
     </style:style>
     <style:style style:name="title" style:family="graphic" style:parent-style-name="standard">
       <style:graphic-properties draw:stroke="none" draw:fill="none"/>
@@ -1101,25 +1282,6 @@
     <style:style style:name="title2" style:family="graphic" style:parent-style-name="standard">
       <style:graphic-properties svg:stroke-width="0.05cm" draw:fill-color="#ffcc99" draw:shadow="visible" draw:shadow-offset-x="0.2cm" draw:shadow-offset-y="0.2cm" draw:shadow-color="#808080"/>
       <style:paragraph-properties fo:margin-left="0cm" fo:margin-right="0.2cm" fo:margin-top="0.1cm" fo:margin-bottom="0.1cm" fo:text-align="center" fo:text-indent="0cm"/>
-      <style:text-properties fo:font-size="28pt"/>
-    </style:style>
-    <style:style style:name="headline" style:family="graphic" style:parent-style-name="standard">
-      <style:graphic-properties draw:stroke="none" draw:fill="none"/>
-      <style:paragraph-properties fo:margin-top="0.42cm" fo:margin-bottom="0.21cm"/>
-      <style:text-properties fo:font-size="28pt"/>
-    </style:style>
-    <style:style style:name="headline1" style:family="graphic" style:parent-style-name="standard">
-      <style:graphic-properties draw:stroke="none" draw:fill="none"/>
-      <style:paragraph-properties fo:margin-top="0.42cm" fo:margin-bottom="0.21cm"/>
-      <style:text-properties fo:font-size="28pt" fo:font-weight="bold"/>
-    </style:style>
-    <style:style style:name="headline2" style:family="graphic" style:parent-style-name="standard">
-      <style:graphic-properties draw:stroke="none" draw:fill="none"/>
-      <style:paragraph-properties fo:margin-top="0.42cm" fo:margin-bottom="0.21cm"/>
-      <style:text-properties fo:font-size="28pt" fo:font-style="italic" fo:font-weight="bold"/>
-    </style:style>
-    <style:style style:name="measure" style:family="graphic" style:parent-style-name="standard">
-      <style:graphic-properties draw:stroke="solid" svg:stroke-color="#000000" draw:marker-start="Arrow" draw:marker-start-width="0.2cm" draw:marker-end="Arrow" draw:marker-end-width="0.2cm" draw:fill="none" draw:show-unit="true"/>
       <style:text-properties fo:font-size="28pt"/>
     </style:style>
     <style:style style:name="Title-background" style:family="presentation">
@@ -2816,6 +2978,7 @@
         <draw:text-box/>
       </draw:frame>
       <presentation:notes style:page-layout-name="PM0">
+        <office:forms form:automatic-focus="false" form:apply-design-mode="false"/>
         <draw:page-thumbnail presentation:style-name="TitleMaster-title" draw:layer="backgroundobjects" svg:width="0.001cm" svg:height="0.001cm" svg:x="0cm" svg:y="2.257cm" presentation:class="page"/>
         <draw:frame presentation:style-name="TitleMaster-notes" draw:layer="backgroundobjects" svg:width="16.799cm" svg:height="13.364cm" svg:x="2.1cm" svg:y="14.107cm" presentation:class="notes" presentation:placeholder="true">
           <draw:text-box/>
